--- a/Day 6/Slides/7. Working with a CallableStatement/working-with-a-callable-statement-slides.pptx
+++ b/Day 6/Slides/7. Working with a CallableStatement/working-with-a-callable-statement-slides.pptx
@@ -3,35 +3,33 @@
 <p:presentation xmlns:a="http://schemas.openxmlformats.org/drawingml/2006/main" xmlns:r="http://schemas.openxmlformats.org/officeDocument/2006/relationships" xmlns:p="http://schemas.openxmlformats.org/presentationml/2006/main">
   <p:sldMasterIdLst>
     <p:sldMasterId id="2147483648" r:id="rId1"/>
-    <p:sldMasterId id="2147483654" r:id="rId3"/>
+    <p:sldMasterId id="2147483654" r:id="rId2"/>
   </p:sldMasterIdLst>
   <p:notesMasterIdLst>
-    <p:notesMasterId r:id="rId27"/>
+    <p:notesMasterId r:id="rId24"/>
   </p:notesMasterIdLst>
   <p:sldIdLst>
-    <p:sldId id="256" r:id="rId4"/>
-    <p:sldId id="257" r:id="rId5"/>
-    <p:sldId id="258" r:id="rId6"/>
-    <p:sldId id="259" r:id="rId7"/>
-    <p:sldId id="260" r:id="rId8"/>
-    <p:sldId id="261" r:id="rId9"/>
-    <p:sldId id="273" r:id="rId10"/>
-    <p:sldId id="262" r:id="rId11"/>
-    <p:sldId id="263" r:id="rId12"/>
-    <p:sldId id="264" r:id="rId13"/>
-    <p:sldId id="276" r:id="rId14"/>
-    <p:sldId id="265" r:id="rId15"/>
-    <p:sldId id="266" r:id="rId16"/>
-    <p:sldId id="267" r:id="rId17"/>
-    <p:sldId id="277" r:id="rId18"/>
-    <p:sldId id="268" r:id="rId19"/>
-    <p:sldId id="269" r:id="rId20"/>
-    <p:sldId id="270" r:id="rId21"/>
-    <p:sldId id="271" r:id="rId22"/>
-    <p:sldId id="278" r:id="rId23"/>
-    <p:sldId id="290" r:id="rId24"/>
-    <p:sldId id="292" r:id="rId25"/>
-    <p:sldId id="272" r:id="rId26"/>
+    <p:sldId id="256" r:id="rId3"/>
+    <p:sldId id="257" r:id="rId4"/>
+    <p:sldId id="258" r:id="rId5"/>
+    <p:sldId id="259" r:id="rId6"/>
+    <p:sldId id="260" r:id="rId7"/>
+    <p:sldId id="261" r:id="rId8"/>
+    <p:sldId id="273" r:id="rId9"/>
+    <p:sldId id="262" r:id="rId10"/>
+    <p:sldId id="263" r:id="rId11"/>
+    <p:sldId id="264" r:id="rId12"/>
+    <p:sldId id="276" r:id="rId13"/>
+    <p:sldId id="265" r:id="rId14"/>
+    <p:sldId id="266" r:id="rId15"/>
+    <p:sldId id="267" r:id="rId16"/>
+    <p:sldId id="277" r:id="rId17"/>
+    <p:sldId id="268" r:id="rId18"/>
+    <p:sldId id="269" r:id="rId19"/>
+    <p:sldId id="270" r:id="rId20"/>
+    <p:sldId id="271" r:id="rId21"/>
+    <p:sldId id="278" r:id="rId22"/>
+    <p:sldId id="272" r:id="rId23"/>
   </p:sldIdLst>
   <p:sldSz cx="18288000" cy="10287000"/>
   <p:notesSz cx="18288000" cy="10287000"/>
@@ -127,6 +125,22 @@
       </a:defRPr>
     </a:lvl9pPr>
   </p:defaultTextStyle>
+  <p:extLst>
+    <p:ext uri="{EFAFB233-063F-42B5-8137-9DF3F51BA10A}">
+      <p15:sldGuideLst xmlns:p15="http://schemas.microsoft.com/office/powerpoint/2012/main">
+        <p15:guide id="1" orient="horz" pos="2880">
+          <p15:clr>
+            <a:srgbClr val="A4A3A4"/>
+          </p15:clr>
+        </p15:guide>
+        <p15:guide id="2" pos="2190">
+          <p15:clr>
+            <a:srgbClr val="A4A3A4"/>
+          </p15:clr>
+        </p15:guide>
+      </p15:sldGuideLst>
+    </p:ext>
+  </p:extLst>
 </p:presentation>
 </file>
 
@@ -212,6 +226,7 @@
           <a:p>
             <a:fld id="{3EFD42F7-718C-4B98-AAEC-167E6DDD60A7}" type="datetimeFigureOut">
               <a:rPr lang="en-US" smtClean="0"/>
+              <a:t>8/10/2023</a:t>
             </a:fld>
             <a:endParaRPr lang="en-US"/>
           </a:p>
@@ -275,42 +290,37 @@
           <a:p>
             <a:pPr lvl="0"/>
             <a:r>
-              <a:rPr lang="en-US" smtClean="0"/>
+              <a:rPr lang="en-US"/>
               <a:t>Click to edit Master text styles</a:t>
             </a:r>
-            <a:endParaRPr lang="en-US" smtClean="0"/>
           </a:p>
           <a:p>
             <a:pPr lvl="1"/>
             <a:r>
-              <a:rPr lang="en-US" smtClean="0"/>
+              <a:rPr lang="en-US"/>
               <a:t>Second level</a:t>
             </a:r>
-            <a:endParaRPr lang="en-US" smtClean="0"/>
           </a:p>
           <a:p>
             <a:pPr lvl="2"/>
             <a:r>
-              <a:rPr lang="en-US" smtClean="0"/>
+              <a:rPr lang="en-US"/>
               <a:t>Third level</a:t>
             </a:r>
-            <a:endParaRPr lang="en-US" smtClean="0"/>
           </a:p>
           <a:p>
             <a:pPr lvl="3"/>
             <a:r>
-              <a:rPr lang="en-US" smtClean="0"/>
+              <a:rPr lang="en-US"/>
               <a:t>Fourth level</a:t>
             </a:r>
-            <a:endParaRPr lang="en-US" smtClean="0"/>
           </a:p>
           <a:p>
             <a:pPr lvl="4"/>
             <a:r>
-              <a:rPr lang="en-US" smtClean="0"/>
+              <a:rPr lang="en-US"/>
               <a:t>Fifth level</a:t>
             </a:r>
-            <a:endParaRPr lang="en-US"/>
           </a:p>
         </p:txBody>
       </p:sp>
@@ -374,6 +384,7 @@
           <a:p>
             <a:fld id="{21B2AA4F-B828-4D7C-AFD3-893933DAFCB4}" type="slidenum">
               <a:rPr lang="en-US" smtClean="0"/>
+              <a:t>‹#›</a:t>
             </a:fld>
             <a:endParaRPr lang="en-US"/>
           </a:p>
@@ -478,7 +489,7 @@
 </file>
 
 <file path=ppt/slideLayouts/slideLayout1.xml><?xml version="1.0" encoding="utf-8"?>
-<p:sldLayout xmlns:a="http://schemas.openxmlformats.org/drawingml/2006/main" xmlns:r="http://schemas.openxmlformats.org/officeDocument/2006/relationships" xmlns:p="http://schemas.openxmlformats.org/presentationml/2006/main" type="obj" preserve="1" showMasterSp="0">
+<p:sldLayout xmlns:a="http://schemas.openxmlformats.org/drawingml/2006/main" xmlns:r="http://schemas.openxmlformats.org/officeDocument/2006/relationships" xmlns:p="http://schemas.openxmlformats.org/presentationml/2006/main" showMasterSp="0" type="obj" preserve="1">
   <p:cSld name="Title Slide">
     <p:bg>
       <p:bgPr>
@@ -539,7 +550,9 @@
         <p:txBody>
           <a:bodyPr wrap="square" lIns="0" tIns="0" rIns="0" bIns="0" rtlCol="0"/>
           <a:lstStyle/>
-          <a:p/>
+          <a:p>
+            <a:endParaRPr/>
+          </a:p>
         </p:txBody>
       </p:sp>
       <p:sp>
@@ -576,7 +589,9 @@
               </a:defRPr>
             </a:lvl1pPr>
           </a:lstStyle>
-          <a:p/>
+          <a:p>
+            <a:endParaRPr/>
+          </a:p>
         </p:txBody>
       </p:sp>
       <p:sp>
@@ -607,7 +622,9 @@
               <a:defRPr/>
             </a:lvl1pPr>
           </a:lstStyle>
-          <a:p/>
+          <a:p>
+            <a:endParaRPr/>
+          </a:p>
         </p:txBody>
       </p:sp>
       <p:sp>
@@ -634,7 +651,9 @@
               </a:defRPr>
             </a:lvl1pPr>
           </a:lstStyle>
-          <a:p/>
+          <a:p>
+            <a:endParaRPr/>
+          </a:p>
         </p:txBody>
       </p:sp>
       <p:sp>
@@ -664,6 +683,7 @@
           <a:p>
             <a:fld id="{1D8BD707-D9CF-40AE-B4C6-C98DA3205C09}" type="datetimeFigureOut">
               <a:rPr lang="en-US"/>
+              <a:t>8/10/2023</a:t>
             </a:fld>
             <a:endParaRPr lang="en-US"/>
           </a:p>
@@ -696,6 +716,7 @@
           <a:p>
             <a:fld id="{B6F15528-21DE-4FAA-801E-634DDDAF4B2B}" type="slidenum">
               <a:rPr/>
+              <a:t>‹#›</a:t>
             </a:fld>
             <a:endParaRPr/>
           </a:p>
@@ -711,7 +732,7 @@
 </file>
 
 <file path=ppt/slideLayouts/slideLayout10.xml><?xml version="1.0" encoding="utf-8"?>
-<p:sldLayout xmlns:a="http://schemas.openxmlformats.org/drawingml/2006/main" xmlns:r="http://schemas.openxmlformats.org/officeDocument/2006/relationships" xmlns:p="http://schemas.openxmlformats.org/presentationml/2006/main" type="obj" preserve="1" showMasterSp="0">
+<p:sldLayout xmlns:a="http://schemas.openxmlformats.org/drawingml/2006/main" xmlns:r="http://schemas.openxmlformats.org/officeDocument/2006/relationships" xmlns:p="http://schemas.openxmlformats.org/presentationml/2006/main" showMasterSp="0" type="obj" preserve="1">
   <p:cSld name="Blank">
     <p:bg>
       <p:bgPr>
@@ -780,7 +801,9 @@
         <p:txBody>
           <a:bodyPr wrap="square" lIns="0" tIns="0" rIns="0" bIns="0" rtlCol="0"/>
           <a:lstStyle/>
-          <a:p/>
+          <a:p>
+            <a:endParaRPr/>
+          </a:p>
         </p:txBody>
       </p:sp>
       <p:pic>
@@ -850,7 +873,9 @@
         <p:txBody>
           <a:bodyPr wrap="square" lIns="0" tIns="0" rIns="0" bIns="0" rtlCol="0"/>
           <a:lstStyle/>
-          <a:p/>
+          <a:p>
+            <a:endParaRPr/>
+          </a:p>
         </p:txBody>
       </p:sp>
       <p:sp>
@@ -877,7 +902,9 @@
               </a:defRPr>
             </a:lvl1pPr>
           </a:lstStyle>
-          <a:p/>
+          <a:p>
+            <a:endParaRPr/>
+          </a:p>
         </p:txBody>
       </p:sp>
       <p:sp>
@@ -907,6 +934,7 @@
           <a:p>
             <a:fld id="{1D8BD707-D9CF-40AE-B4C6-C98DA3205C09}" type="datetimeFigureOut">
               <a:rPr lang="en-US"/>
+              <a:t>8/10/2023</a:t>
             </a:fld>
             <a:endParaRPr lang="en-US"/>
           </a:p>
@@ -939,6 +967,7 @@
           <a:p>
             <a:fld id="{B6F15528-21DE-4FAA-801E-634DDDAF4B2B}" type="slidenum">
               <a:rPr/>
+              <a:t>‹#›</a:t>
             </a:fld>
             <a:endParaRPr/>
           </a:p>
@@ -994,7 +1023,9 @@
               </a:defRPr>
             </a:lvl1pPr>
           </a:lstStyle>
-          <a:p/>
+          <a:p>
+            <a:endParaRPr/>
+          </a:p>
         </p:txBody>
       </p:sp>
       <p:sp>
@@ -1021,7 +1052,9 @@
               </a:defRPr>
             </a:lvl1pPr>
           </a:lstStyle>
-          <a:p/>
+          <a:p>
+            <a:endParaRPr/>
+          </a:p>
         </p:txBody>
       </p:sp>
       <p:sp>
@@ -1048,7 +1081,9 @@
               </a:defRPr>
             </a:lvl1pPr>
           </a:lstStyle>
-          <a:p/>
+          <a:p>
+            <a:endParaRPr/>
+          </a:p>
         </p:txBody>
       </p:sp>
       <p:sp>
@@ -1078,6 +1113,7 @@
           <a:p>
             <a:fld id="{1D8BD707-D9CF-40AE-B4C6-C98DA3205C09}" type="datetimeFigureOut">
               <a:rPr lang="en-US"/>
+              <a:t>8/10/2023</a:t>
             </a:fld>
             <a:endParaRPr lang="en-US"/>
           </a:p>
@@ -1110,6 +1146,7 @@
           <a:p>
             <a:fld id="{B6F15528-21DE-4FAA-801E-634DDDAF4B2B}" type="slidenum">
               <a:rPr/>
+              <a:t>‹#›</a:t>
             </a:fld>
             <a:endParaRPr/>
           </a:p>
@@ -1125,7 +1162,7 @@
 </file>
 
 <file path=ppt/slideLayouts/slideLayout3.xml><?xml version="1.0" encoding="utf-8"?>
-<p:sldLayout xmlns:a="http://schemas.openxmlformats.org/drawingml/2006/main" xmlns:r="http://schemas.openxmlformats.org/officeDocument/2006/relationships" xmlns:p="http://schemas.openxmlformats.org/presentationml/2006/main" type="obj" preserve="1" showMasterSp="0">
+<p:sldLayout xmlns:a="http://schemas.openxmlformats.org/drawingml/2006/main" xmlns:r="http://schemas.openxmlformats.org/officeDocument/2006/relationships" xmlns:p="http://schemas.openxmlformats.org/presentationml/2006/main" showMasterSp="0" type="obj" preserve="1">
   <p:cSld name="Two Content">
     <p:bg>
       <p:bgPr>
@@ -1194,7 +1231,9 @@
         <p:txBody>
           <a:bodyPr wrap="square" lIns="0" tIns="0" rIns="0" bIns="0" rtlCol="0"/>
           <a:lstStyle/>
-          <a:p/>
+          <a:p>
+            <a:endParaRPr/>
+          </a:p>
         </p:txBody>
       </p:sp>
       <p:pic>
@@ -1264,7 +1303,9 @@
         <p:txBody>
           <a:bodyPr wrap="square" lIns="0" tIns="0" rIns="0" bIns="0" rtlCol="0"/>
           <a:lstStyle/>
-          <a:p/>
+          <a:p>
+            <a:endParaRPr/>
+          </a:p>
         </p:txBody>
       </p:sp>
       <p:sp>
@@ -1291,7 +1332,9 @@
               </a:defRPr>
             </a:lvl1pPr>
           </a:lstStyle>
-          <a:p/>
+          <a:p>
+            <a:endParaRPr/>
+          </a:p>
         </p:txBody>
       </p:sp>
       <p:sp>
@@ -1328,7 +1371,9 @@
               </a:defRPr>
             </a:lvl1pPr>
           </a:lstStyle>
-          <a:p/>
+          <a:p>
+            <a:endParaRPr/>
+          </a:p>
         </p:txBody>
       </p:sp>
       <p:sp>
@@ -1359,7 +1404,9 @@
               <a:defRPr/>
             </a:lvl1pPr>
           </a:lstStyle>
-          <a:p/>
+          <a:p>
+            <a:endParaRPr/>
+          </a:p>
         </p:txBody>
       </p:sp>
       <p:sp>
@@ -1386,7 +1433,9 @@
               </a:defRPr>
             </a:lvl1pPr>
           </a:lstStyle>
-          <a:p/>
+          <a:p>
+            <a:endParaRPr/>
+          </a:p>
         </p:txBody>
       </p:sp>
       <p:sp>
@@ -1416,6 +1465,7 @@
           <a:p>
             <a:fld id="{1D8BD707-D9CF-40AE-B4C6-C98DA3205C09}" type="datetimeFigureOut">
               <a:rPr lang="en-US"/>
+              <a:t>8/10/2023</a:t>
             </a:fld>
             <a:endParaRPr lang="en-US"/>
           </a:p>
@@ -1448,6 +1498,7 @@
           <a:p>
             <a:fld id="{B6F15528-21DE-4FAA-801E-634DDDAF4B2B}" type="slidenum">
               <a:rPr/>
+              <a:t>‹#›</a:t>
             </a:fld>
             <a:endParaRPr/>
           </a:p>
@@ -1503,7 +1554,9 @@
               </a:defRPr>
             </a:lvl1pPr>
           </a:lstStyle>
-          <a:p/>
+          <a:p>
+            <a:endParaRPr/>
+          </a:p>
         </p:txBody>
       </p:sp>
       <p:sp>
@@ -1530,7 +1583,9 @@
               </a:defRPr>
             </a:lvl1pPr>
           </a:lstStyle>
-          <a:p/>
+          <a:p>
+            <a:endParaRPr/>
+          </a:p>
         </p:txBody>
       </p:sp>
       <p:sp>
@@ -1560,6 +1615,7 @@
           <a:p>
             <a:fld id="{1D8BD707-D9CF-40AE-B4C6-C98DA3205C09}" type="datetimeFigureOut">
               <a:rPr lang="en-US"/>
+              <a:t>8/10/2023</a:t>
             </a:fld>
             <a:endParaRPr lang="en-US"/>
           </a:p>
@@ -1592,6 +1648,7 @@
           <a:p>
             <a:fld id="{B6F15528-21DE-4FAA-801E-634DDDAF4B2B}" type="slidenum">
               <a:rPr/>
+              <a:t>‹#›</a:t>
             </a:fld>
             <a:endParaRPr/>
           </a:p>
@@ -1607,7 +1664,7 @@
 </file>
 
 <file path=ppt/slideLayouts/slideLayout5.xml><?xml version="1.0" encoding="utf-8"?>
-<p:sldLayout xmlns:a="http://schemas.openxmlformats.org/drawingml/2006/main" xmlns:r="http://schemas.openxmlformats.org/officeDocument/2006/relationships" xmlns:p="http://schemas.openxmlformats.org/presentationml/2006/main" type="obj" preserve="1" showMasterSp="0">
+<p:sldLayout xmlns:a="http://schemas.openxmlformats.org/drawingml/2006/main" xmlns:r="http://schemas.openxmlformats.org/officeDocument/2006/relationships" xmlns:p="http://schemas.openxmlformats.org/presentationml/2006/main" showMasterSp="0" type="obj" preserve="1">
   <p:cSld name="Blank">
     <p:bg>
       <p:bgPr>
@@ -1676,7 +1733,9 @@
         <p:txBody>
           <a:bodyPr wrap="square" lIns="0" tIns="0" rIns="0" bIns="0" rtlCol="0"/>
           <a:lstStyle/>
-          <a:p/>
+          <a:p>
+            <a:endParaRPr/>
+          </a:p>
         </p:txBody>
       </p:sp>
       <p:pic>
@@ -1746,7 +1805,9 @@
         <p:txBody>
           <a:bodyPr wrap="square" lIns="0" tIns="0" rIns="0" bIns="0" rtlCol="0"/>
           <a:lstStyle/>
-          <a:p/>
+          <a:p>
+            <a:endParaRPr/>
+          </a:p>
         </p:txBody>
       </p:sp>
       <p:sp>
@@ -1773,7 +1834,9 @@
               </a:defRPr>
             </a:lvl1pPr>
           </a:lstStyle>
-          <a:p/>
+          <a:p>
+            <a:endParaRPr/>
+          </a:p>
         </p:txBody>
       </p:sp>
       <p:sp>
@@ -1803,6 +1866,7 @@
           <a:p>
             <a:fld id="{1D8BD707-D9CF-40AE-B4C6-C98DA3205C09}" type="datetimeFigureOut">
               <a:rPr lang="en-US"/>
+              <a:t>8/10/2023</a:t>
             </a:fld>
             <a:endParaRPr lang="en-US"/>
           </a:p>
@@ -1835,6 +1899,7 @@
           <a:p>
             <a:fld id="{B6F15528-21DE-4FAA-801E-634DDDAF4B2B}" type="slidenum">
               <a:rPr/>
+              <a:t>‹#›</a:t>
             </a:fld>
             <a:endParaRPr/>
           </a:p>
@@ -1900,7 +1965,9 @@
               </a:defRPr>
             </a:lvl1pPr>
           </a:lstStyle>
-          <a:p/>
+          <a:p>
+            <a:endParaRPr/>
+          </a:p>
         </p:txBody>
       </p:sp>
       <p:sp>
@@ -1937,7 +2004,9 @@
               </a:defRPr>
             </a:lvl1pPr>
           </a:lstStyle>
-          <a:p/>
+          <a:p>
+            <a:endParaRPr/>
+          </a:p>
         </p:txBody>
       </p:sp>
       <p:sp>
@@ -1964,7 +2033,9 @@
               </a:defRPr>
             </a:lvl1pPr>
           </a:lstStyle>
-          <a:p/>
+          <a:p>
+            <a:endParaRPr/>
+          </a:p>
         </p:txBody>
       </p:sp>
       <p:sp>
@@ -1994,6 +2065,7 @@
           <a:p>
             <a:fld id="{1D8BD707-D9CF-40AE-B4C6-C98DA3205C09}" type="datetimeFigureOut">
               <a:rPr lang="en-US"/>
+              <a:t>8/10/2023</a:t>
             </a:fld>
             <a:endParaRPr lang="en-US"/>
           </a:p>
@@ -2026,6 +2098,7 @@
           <a:p>
             <a:fld id="{B6F15528-21DE-4FAA-801E-634DDDAF4B2B}" type="slidenum">
               <a:rPr/>
+              <a:t>‹#›</a:t>
             </a:fld>
             <a:endParaRPr/>
           </a:p>
@@ -2081,7 +2154,9 @@
               </a:defRPr>
             </a:lvl1pPr>
           </a:lstStyle>
-          <a:p/>
+          <a:p>
+            <a:endParaRPr/>
+          </a:p>
         </p:txBody>
       </p:sp>
       <p:sp>
@@ -2108,7 +2183,9 @@
               </a:defRPr>
             </a:lvl1pPr>
           </a:lstStyle>
-          <a:p/>
+          <a:p>
+            <a:endParaRPr/>
+          </a:p>
         </p:txBody>
       </p:sp>
       <p:sp>
@@ -2135,7 +2212,9 @@
               </a:defRPr>
             </a:lvl1pPr>
           </a:lstStyle>
-          <a:p/>
+          <a:p>
+            <a:endParaRPr/>
+          </a:p>
         </p:txBody>
       </p:sp>
       <p:sp>
@@ -2165,6 +2244,7 @@
           <a:p>
             <a:fld id="{1D8BD707-D9CF-40AE-B4C6-C98DA3205C09}" type="datetimeFigureOut">
               <a:rPr lang="en-US"/>
+              <a:t>8/10/2023</a:t>
             </a:fld>
             <a:endParaRPr lang="en-US"/>
           </a:p>
@@ -2197,6 +2277,7 @@
           <a:p>
             <a:fld id="{B6F15528-21DE-4FAA-801E-634DDDAF4B2B}" type="slidenum">
               <a:rPr/>
+              <a:t>‹#›</a:t>
             </a:fld>
             <a:endParaRPr/>
           </a:p>
@@ -2252,7 +2333,9 @@
               </a:defRPr>
             </a:lvl1pPr>
           </a:lstStyle>
-          <a:p/>
+          <a:p>
+            <a:endParaRPr/>
+          </a:p>
         </p:txBody>
       </p:sp>
       <p:sp>
@@ -2283,7 +2366,9 @@
               <a:defRPr/>
             </a:lvl1pPr>
           </a:lstStyle>
-          <a:p/>
+          <a:p>
+            <a:endParaRPr/>
+          </a:p>
         </p:txBody>
       </p:sp>
       <p:sp>
@@ -2314,7 +2399,9 @@
               <a:defRPr/>
             </a:lvl1pPr>
           </a:lstStyle>
-          <a:p/>
+          <a:p>
+            <a:endParaRPr/>
+          </a:p>
         </p:txBody>
       </p:sp>
       <p:sp>
@@ -2341,7 +2428,9 @@
               </a:defRPr>
             </a:lvl1pPr>
           </a:lstStyle>
-          <a:p/>
+          <a:p>
+            <a:endParaRPr/>
+          </a:p>
         </p:txBody>
       </p:sp>
       <p:sp>
@@ -2371,6 +2460,7 @@
           <a:p>
             <a:fld id="{1D8BD707-D9CF-40AE-B4C6-C98DA3205C09}" type="datetimeFigureOut">
               <a:rPr lang="en-US"/>
+              <a:t>8/10/2023</a:t>
             </a:fld>
             <a:endParaRPr lang="en-US"/>
           </a:p>
@@ -2403,6 +2493,7 @@
           <a:p>
             <a:fld id="{B6F15528-21DE-4FAA-801E-634DDDAF4B2B}" type="slidenum">
               <a:rPr/>
+              <a:t>‹#›</a:t>
             </a:fld>
             <a:endParaRPr/>
           </a:p>
@@ -2418,7 +2509,7 @@
 </file>
 
 <file path=ppt/slideLayouts/slideLayout9.xml><?xml version="1.0" encoding="utf-8"?>
-<p:sldLayout xmlns:a="http://schemas.openxmlformats.org/drawingml/2006/main" xmlns:r="http://schemas.openxmlformats.org/officeDocument/2006/relationships" xmlns:p="http://schemas.openxmlformats.org/presentationml/2006/main" type="obj" preserve="1" showMasterSp="0">
+<p:sldLayout xmlns:a="http://schemas.openxmlformats.org/drawingml/2006/main" xmlns:r="http://schemas.openxmlformats.org/officeDocument/2006/relationships" xmlns:p="http://schemas.openxmlformats.org/presentationml/2006/main" showMasterSp="0" type="obj" preserve="1">
   <p:cSld name="Title Only">
     <p:bg>
       <p:bgPr>
@@ -2488,7 +2579,9 @@
               </a:defRPr>
             </a:lvl1pPr>
           </a:lstStyle>
-          <a:p/>
+          <a:p>
+            <a:endParaRPr/>
+          </a:p>
         </p:txBody>
       </p:sp>
       <p:sp>
@@ -2515,7 +2608,9 @@
               </a:defRPr>
             </a:lvl1pPr>
           </a:lstStyle>
-          <a:p/>
+          <a:p>
+            <a:endParaRPr/>
+          </a:p>
         </p:txBody>
       </p:sp>
       <p:sp>
@@ -2545,6 +2640,7 @@
           <a:p>
             <a:fld id="{1D8BD707-D9CF-40AE-B4C6-C98DA3205C09}" type="datetimeFigureOut">
               <a:rPr lang="en-US"/>
+              <a:t>8/10/2023</a:t>
             </a:fld>
             <a:endParaRPr lang="en-US"/>
           </a:p>
@@ -2577,6 +2673,7 @@
           <a:p>
             <a:fld id="{B6F15528-21DE-4FAA-801E-634DDDAF4B2B}" type="slidenum">
               <a:rPr/>
+              <a:t>‹#›</a:t>
             </a:fld>
             <a:endParaRPr/>
           </a:p>
@@ -2650,7 +2747,9 @@
               </a:defRPr>
             </a:lvl1pPr>
           </a:lstStyle>
-          <a:p/>
+          <a:p>
+            <a:endParaRPr/>
+          </a:p>
         </p:txBody>
       </p:sp>
       <p:sp>
@@ -2687,7 +2786,9 @@
               </a:defRPr>
             </a:lvl1pPr>
           </a:lstStyle>
-          <a:p/>
+          <a:p>
+            <a:endParaRPr/>
+          </a:p>
         </p:txBody>
       </p:sp>
       <p:sp>
@@ -2724,7 +2825,9 @@
               </a:defRPr>
             </a:lvl1pPr>
           </a:lstStyle>
-          <a:p/>
+          <a:p>
+            <a:endParaRPr/>
+          </a:p>
         </p:txBody>
       </p:sp>
       <p:sp>
@@ -2764,6 +2867,7 @@
           <a:p>
             <a:fld id="{1D8BD707-D9CF-40AE-B4C6-C98DA3205C09}" type="datetimeFigureOut">
               <a:rPr lang="en-US"/>
+              <a:t>8/10/2023</a:t>
             </a:fld>
             <a:endParaRPr lang="en-US"/>
           </a:p>
@@ -2806,6 +2910,7 @@
           <a:p>
             <a:fld id="{B6F15528-21DE-4FAA-801E-634DDDAF4B2B}" type="slidenum">
               <a:rPr/>
+              <a:t>‹#›</a:t>
             </a:fld>
             <a:endParaRPr/>
           </a:p>
@@ -3025,7 +3130,9 @@
               </a:defRPr>
             </a:lvl1pPr>
           </a:lstStyle>
-          <a:p/>
+          <a:p>
+            <a:endParaRPr/>
+          </a:p>
         </p:txBody>
       </p:sp>
       <p:sp>
@@ -3062,7 +3169,9 @@
               </a:defRPr>
             </a:lvl1pPr>
           </a:lstStyle>
-          <a:p/>
+          <a:p>
+            <a:endParaRPr/>
+          </a:p>
         </p:txBody>
       </p:sp>
       <p:sp>
@@ -3099,7 +3208,9 @@
               </a:defRPr>
             </a:lvl1pPr>
           </a:lstStyle>
-          <a:p/>
+          <a:p>
+            <a:endParaRPr/>
+          </a:p>
         </p:txBody>
       </p:sp>
       <p:sp>
@@ -3139,6 +3250,7 @@
           <a:p>
             <a:fld id="{1D8BD707-D9CF-40AE-B4C6-C98DA3205C09}" type="datetimeFigureOut">
               <a:rPr lang="en-US"/>
+              <a:t>8/10/2023</a:t>
             </a:fld>
             <a:endParaRPr lang="en-US"/>
           </a:p>
@@ -3181,6 +3293,7 @@
           <a:p>
             <a:fld id="{B6F15528-21DE-4FAA-801E-634DDDAF4B2B}" type="slidenum">
               <a:rPr/>
+              <a:t>‹#›</a:t>
             </a:fld>
             <a:endParaRPr/>
           </a:p>
@@ -3365,7 +3478,7 @@
           <p:nvPr/>
         </p:nvPicPr>
         <p:blipFill>
-          <a:blip r:embed="rId1" cstate="print"/>
+          <a:blip r:embed="rId2" cstate="print"/>
           <a:stretch>
             <a:fillRect/>
           </a:stretch>
@@ -3482,9 +3595,11 @@
         <p:spPr/>
         <p:txBody>
           <a:bodyPr/>
+          <a:lstStyle/>
           <a:p>
             <a:fld id="{B6F15528-21DE-4FAA-801E-634DDDAF4B2B}" type="slidenum">
               <a:rPr/>
+              <a:t>1</a:t>
             </a:fld>
             <a:endParaRPr/>
           </a:p>
@@ -4976,9 +5091,11 @@
         <p:spPr/>
         <p:txBody>
           <a:bodyPr/>
+          <a:lstStyle/>
           <a:p>
             <a:fld id="{B6F15528-21DE-4FAA-801E-634DDDAF4B2B}" type="slidenum">
               <a:rPr/>
+              <a:t>10</a:t>
             </a:fld>
             <a:endParaRPr/>
           </a:p>
@@ -5016,7 +5133,7 @@
           <p:nvPr/>
         </p:nvPicPr>
         <p:blipFill>
-          <a:blip r:embed="rId1" cstate="print"/>
+          <a:blip r:embed="rId2" cstate="print"/>
           <a:stretch>
             <a:fillRect/>
           </a:stretch>
@@ -5070,13 +5187,6 @@
               </a:rPr>
               <a:t>In Parameters</a:t>
             </a:r>
-            <a:endParaRPr sz="3600" b="1" dirty="0">
-              <a:solidFill>
-                <a:srgbClr val="2A9FBC"/>
-              </a:solidFill>
-              <a:latin typeface="Arial" panose="020B0604020202020204"/>
-              <a:cs typeface="Arial" panose="020B0604020202020204"/>
-            </a:endParaRPr>
           </a:p>
         </p:txBody>
       </p:sp>
@@ -5093,9 +5203,11 @@
         <p:spPr/>
         <p:txBody>
           <a:bodyPr/>
+          <a:lstStyle/>
           <a:p>
             <a:fld id="{B6F15528-21DE-4FAA-801E-634DDDAF4B2B}" type="slidenum">
               <a:rPr/>
+              <a:t>11</a:t>
             </a:fld>
             <a:endParaRPr/>
           </a:p>
@@ -5120,6 +5232,7 @@
           <a:bodyPr vert="horz" wrap="square" lIns="0" tIns="12700" rIns="0" bIns="0" rtlCol="0">
             <a:spAutoFit/>
           </a:bodyPr>
+          <a:lstStyle/>
           <a:p>
             <a:pPr marL="12700">
               <a:lnSpc>
@@ -5208,7 +5321,9 @@
         <p:txBody>
           <a:bodyPr wrap="square" lIns="0" tIns="0" rIns="0" bIns="0" rtlCol="0"/>
           <a:lstStyle/>
-          <a:p/>
+          <a:p>
+            <a:endParaRPr/>
+          </a:p>
         </p:txBody>
       </p:sp>
       <p:sp>
@@ -6112,9 +6227,11 @@
         <p:spPr/>
         <p:txBody>
           <a:bodyPr/>
+          <a:lstStyle/>
           <a:p>
             <a:fld id="{B6F15528-21DE-4FAA-801E-634DDDAF4B2B}" type="slidenum">
               <a:rPr/>
+              <a:t>12</a:t>
             </a:fld>
             <a:endParaRPr/>
           </a:p>
@@ -6190,7 +6307,9 @@
         <p:txBody>
           <a:bodyPr wrap="square" lIns="0" tIns="0" rIns="0" bIns="0" rtlCol="0"/>
           <a:lstStyle/>
-          <a:p/>
+          <a:p>
+            <a:endParaRPr/>
+          </a:p>
         </p:txBody>
       </p:sp>
       <p:sp>
@@ -6805,17 +6924,7 @@
                 <a:latin typeface="Lucida Sans Unicode" panose="020B0602030504020204"/>
                 <a:cs typeface="Lucida Sans Unicode" panose="020B0602030504020204"/>
               </a:rPr>
-              <a:t>e</a:t>
-            </a:r>
-            <a:r>
-              <a:rPr sz="4400" spc="-75" dirty="0">
-                <a:solidFill>
-                  <a:srgbClr val="404040"/>
-                </a:solidFill>
-                <a:latin typeface="Lucida Sans Unicode" panose="020B0602030504020204"/>
-                <a:cs typeface="Lucida Sans Unicode" panose="020B0602030504020204"/>
-              </a:rPr>
-              <a:t>d</a:t>
+              <a:t>ed</a:t>
             </a:r>
             <a:r>
               <a:rPr sz="4400" spc="-325" dirty="0">
@@ -7169,17 +7278,7 @@
                 <a:latin typeface="Arial" panose="020B0604020202020204"/>
                 <a:cs typeface="Arial" panose="020B0604020202020204"/>
               </a:rPr>
-              <a:t>h</a:t>
-            </a:r>
-            <a:r>
-              <a:rPr sz="3000" b="1" spc="-25" dirty="0">
-                <a:solidFill>
-                  <a:srgbClr val="404040"/>
-                </a:solidFill>
-                <a:latin typeface="Arial" panose="020B0604020202020204"/>
-                <a:cs typeface="Arial" panose="020B0604020202020204"/>
-              </a:rPr>
-              <a:t>a</a:t>
+              <a:t>ha</a:t>
             </a:r>
             <a:r>
               <a:rPr sz="3000" b="1" spc="-215" dirty="0">
@@ -7361,9 +7460,11 @@
         <p:spPr/>
         <p:txBody>
           <a:bodyPr/>
+          <a:lstStyle/>
           <a:p>
             <a:fld id="{B6F15528-21DE-4FAA-801E-634DDDAF4B2B}" type="slidenum">
               <a:rPr/>
+              <a:t>13</a:t>
             </a:fld>
             <a:endParaRPr/>
           </a:p>
@@ -8507,9 +8608,11 @@
         <p:spPr/>
         <p:txBody>
           <a:bodyPr/>
+          <a:lstStyle/>
           <a:p>
             <a:fld id="{B6F15528-21DE-4FAA-801E-634DDDAF4B2B}" type="slidenum">
               <a:rPr/>
+              <a:t>14</a:t>
             </a:fld>
             <a:endParaRPr/>
           </a:p>
@@ -8547,7 +8650,7 @@
           <p:nvPr/>
         </p:nvPicPr>
         <p:blipFill>
-          <a:blip r:embed="rId1" cstate="print"/>
+          <a:blip r:embed="rId2" cstate="print"/>
           <a:stretch>
             <a:fillRect/>
           </a:stretch>
@@ -8611,13 +8714,6 @@
               </a:rPr>
               <a:t>Parameters</a:t>
             </a:r>
-            <a:endParaRPr sz="3600" b="1" dirty="0">
-              <a:solidFill>
-                <a:srgbClr val="2A9FBC"/>
-              </a:solidFill>
-              <a:latin typeface="Arial" panose="020B0604020202020204"/>
-              <a:cs typeface="Arial" panose="020B0604020202020204"/>
-            </a:endParaRPr>
           </a:p>
         </p:txBody>
       </p:sp>
@@ -8634,9 +8730,11 @@
         <p:spPr/>
         <p:txBody>
           <a:bodyPr/>
+          <a:lstStyle/>
           <a:p>
             <a:fld id="{B6F15528-21DE-4FAA-801E-634DDDAF4B2B}" type="slidenum">
               <a:rPr/>
+              <a:t>15</a:t>
             </a:fld>
             <a:endParaRPr/>
           </a:p>
@@ -8661,6 +8759,7 @@
           <a:bodyPr vert="horz" wrap="square" lIns="0" tIns="12700" rIns="0" bIns="0" rtlCol="0">
             <a:spAutoFit/>
           </a:bodyPr>
+          <a:lstStyle/>
           <a:p>
             <a:pPr marL="12700">
               <a:lnSpc>
@@ -8749,7 +8848,9 @@
         <p:txBody>
           <a:bodyPr wrap="square" lIns="0" tIns="0" rIns="0" bIns="0" rtlCol="0"/>
           <a:lstStyle/>
-          <a:p/>
+          <a:p>
+            <a:endParaRPr/>
+          </a:p>
         </p:txBody>
       </p:sp>
       <p:sp>
@@ -9077,15 +9178,7 @@
                   <a:srgbClr val="F15B2A"/>
                 </a:solidFill>
               </a:rPr>
-              <a:t>I</a:t>
-            </a:r>
-            <a:r>
-              <a:rPr sz="3400" spc="35" dirty="0">
-                <a:solidFill>
-                  <a:srgbClr val="F15B2A"/>
-                </a:solidFill>
-              </a:rPr>
-              <a:t>N</a:t>
+              <a:t>IN</a:t>
             </a:r>
             <a:r>
               <a:rPr sz="3400" spc="-65" dirty="0">
@@ -9641,9 +9734,11 @@
         <p:spPr/>
         <p:txBody>
           <a:bodyPr/>
+          <a:lstStyle/>
           <a:p>
             <a:fld id="{B6F15528-21DE-4FAA-801E-634DDDAF4B2B}" type="slidenum">
               <a:rPr/>
+              <a:t>16</a:t>
             </a:fld>
             <a:endParaRPr/>
           </a:p>
@@ -10344,17 +10439,7 @@
                 <a:latin typeface="Arial" panose="020B0604020202020204"/>
                 <a:cs typeface="Arial" panose="020B0604020202020204"/>
               </a:rPr>
-              <a:t>a</a:t>
-            </a:r>
-            <a:r>
-              <a:rPr sz="3600" b="1" spc="-35" dirty="0">
-                <a:solidFill>
-                  <a:srgbClr val="404040"/>
-                </a:solidFill>
-                <a:latin typeface="Arial" panose="020B0604020202020204"/>
-                <a:cs typeface="Arial" panose="020B0604020202020204"/>
-              </a:rPr>
-              <a:t>r</a:t>
+              <a:t>ar</a:t>
             </a:r>
             <a:r>
               <a:rPr sz="3600" b="1" spc="-55" dirty="0">
@@ -10436,9 +10521,11 @@
         <p:spPr/>
         <p:txBody>
           <a:bodyPr/>
+          <a:lstStyle/>
           <a:p>
             <a:fld id="{B6F15528-21DE-4FAA-801E-634DDDAF4B2B}" type="slidenum">
               <a:rPr/>
+              <a:t>17</a:t>
             </a:fld>
             <a:endParaRPr/>
           </a:p>
@@ -10514,7 +10601,9 @@
         <p:txBody>
           <a:bodyPr wrap="square" lIns="0" tIns="0" rIns="0" bIns="0" rtlCol="0"/>
           <a:lstStyle/>
-          <a:p/>
+          <a:p>
+            <a:endParaRPr/>
+          </a:p>
         </p:txBody>
       </p:sp>
       <p:sp>
@@ -10562,7 +10651,9 @@
         <p:txBody>
           <a:bodyPr wrap="square" lIns="0" tIns="0" rIns="0" bIns="0" rtlCol="0"/>
           <a:lstStyle/>
-          <a:p/>
+          <a:p>
+            <a:endParaRPr/>
+          </a:p>
         </p:txBody>
       </p:sp>
       <p:sp>
@@ -12032,9 +12123,11 @@
         <p:spPr/>
         <p:txBody>
           <a:bodyPr/>
+          <a:lstStyle/>
           <a:p>
             <a:fld id="{B6F15528-21DE-4FAA-801E-634DDDAF4B2B}" type="slidenum">
               <a:rPr/>
+              <a:t>18</a:t>
             </a:fld>
             <a:endParaRPr/>
           </a:p>
@@ -12398,7 +12491,6 @@
               <a:rPr spc="-5" dirty="0"/>
               <a:t>1);</a:t>
             </a:r>
-            <a:endParaRPr spc="-5" dirty="0"/>
           </a:p>
           <a:p>
             <a:pPr>
@@ -12429,7 +12521,6 @@
               <a:rPr spc="-5" dirty="0"/>
               <a:t>0.1);</a:t>
             </a:r>
-            <a:endParaRPr spc="-5" dirty="0"/>
           </a:p>
           <a:p>
             <a:pPr marL="196850" marR="1131570">
@@ -12452,7 +12543,6 @@
               <a:rPr spc="-5" dirty="0"/>
               <a:t>cs.registerOutParameter(3,</a:t>
             </a:r>
-            <a:endParaRPr spc="-5" dirty="0"/>
           </a:p>
           <a:p>
             <a:pPr>
@@ -12475,7 +12565,6 @@
               <a:rPr spc="-15" dirty="0"/>
               <a:t>Types.DECIMAL);</a:t>
             </a:r>
-            <a:endParaRPr spc="-15" dirty="0"/>
           </a:p>
           <a:p>
             <a:pPr marL="381000" marR="5080">
@@ -12526,7 +12615,6 @@
               <a:rPr dirty="0"/>
               <a:t>" +</a:t>
             </a:r>
-            <a:endParaRPr dirty="0"/>
           </a:p>
           <a:p>
             <a:pPr>
@@ -12549,7 +12637,6 @@
               <a:rPr spc="-5" dirty="0"/>
               <a:t>cs.getDouble(3));</a:t>
             </a:r>
-            <a:endParaRPr spc="-5" dirty="0"/>
           </a:p>
           <a:p>
             <a:pPr>
@@ -12572,7 +12659,6 @@
               <a:rPr dirty="0"/>
               <a:t>}</a:t>
             </a:r>
-            <a:endParaRPr dirty="0"/>
           </a:p>
         </p:txBody>
       </p:sp>
@@ -13508,9 +13594,11 @@
         <p:spPr/>
         <p:txBody>
           <a:bodyPr/>
+          <a:lstStyle/>
           <a:p>
             <a:fld id="{B6F15528-21DE-4FAA-801E-634DDDAF4B2B}" type="slidenum">
               <a:rPr/>
+              <a:t>19</a:t>
             </a:fld>
             <a:endParaRPr/>
           </a:p>
@@ -13548,7 +13636,7 @@
           <p:nvPr/>
         </p:nvPicPr>
         <p:blipFill>
-          <a:blip r:embed="rId1" cstate="print"/>
+          <a:blip r:embed="rId2" cstate="print"/>
           <a:stretch>
             <a:fillRect/>
           </a:stretch>
@@ -13805,7 +13893,6 @@
               <a:rPr spc="25" dirty="0"/>
               <a:t>CallableStatement</a:t>
             </a:r>
-            <a:endParaRPr spc="25" dirty="0"/>
           </a:p>
           <a:p>
             <a:pPr marL="6675120" marR="5080" indent="7620">
@@ -13876,7 +13963,6 @@
               <a:rPr spc="25" dirty="0"/>
               <a:t>CallableStatement</a:t>
             </a:r>
-            <a:endParaRPr spc="25" dirty="0"/>
           </a:p>
         </p:txBody>
       </p:sp>
@@ -13999,9 +14085,11 @@
         <p:spPr/>
         <p:txBody>
           <a:bodyPr/>
+          <a:lstStyle/>
           <a:p>
             <a:fld id="{B6F15528-21DE-4FAA-801E-634DDDAF4B2B}" type="slidenum">
               <a:rPr/>
+              <a:t>2</a:t>
             </a:fld>
             <a:endParaRPr/>
           </a:p>
@@ -14039,7 +14127,7 @@
           <p:nvPr/>
         </p:nvPicPr>
         <p:blipFill>
-          <a:blip r:embed="rId1" cstate="print"/>
+          <a:blip r:embed="rId2" cstate="print"/>
           <a:stretch>
             <a:fillRect/>
           </a:stretch>
@@ -14103,13 +14191,6 @@
               </a:rPr>
               <a:t>Parameters</a:t>
             </a:r>
-            <a:endParaRPr sz="3600" b="1" dirty="0">
-              <a:solidFill>
-                <a:srgbClr val="2A9FBC"/>
-              </a:solidFill>
-              <a:latin typeface="Arial" panose="020B0604020202020204"/>
-              <a:cs typeface="Arial" panose="020B0604020202020204"/>
-            </a:endParaRPr>
           </a:p>
         </p:txBody>
       </p:sp>
@@ -14126,9 +14207,11 @@
         <p:spPr/>
         <p:txBody>
           <a:bodyPr/>
+          <a:lstStyle/>
           <a:p>
             <a:fld id="{B6F15528-21DE-4FAA-801E-634DDDAF4B2B}" type="slidenum">
               <a:rPr/>
+              <a:t>20</a:t>
             </a:fld>
             <a:endParaRPr/>
           </a:p>
@@ -14153,6 +14236,7 @@
           <a:bodyPr vert="horz" wrap="square" lIns="0" tIns="12700" rIns="0" bIns="0" rtlCol="0">
             <a:spAutoFit/>
           </a:bodyPr>
+          <a:lstStyle/>
           <a:p>
             <a:pPr marL="12700">
               <a:lnSpc>
@@ -14188,793 +14272,6 @@
 </file>
 
 <file path=ppt/slides/slide21.xml><?xml version="1.0" encoding="utf-8"?>
-<p:sld xmlns:a="http://schemas.openxmlformats.org/drawingml/2006/main" xmlns:r="http://schemas.openxmlformats.org/officeDocument/2006/relationships" xmlns:p="http://schemas.openxmlformats.org/presentationml/2006/main">
-  <p:cSld>
-    <p:spTree>
-      <p:nvGrpSpPr>
-        <p:cNvPr id="1" name=""/>
-        <p:cNvGrpSpPr/>
-        <p:nvPr/>
-      </p:nvGrpSpPr>
-      <p:grpSpPr/>
-      <p:sp>
-        <p:nvSpPr>
-          <p:cNvPr id="2" name="Title 1"/>
-          <p:cNvSpPr>
-            <a:spLocks noGrp="1"/>
-          </p:cNvSpPr>
-          <p:nvPr>
-            <p:ph type="ctrTitle"/>
-          </p:nvPr>
-        </p:nvSpPr>
-        <p:spPr>
-          <a:xfrm>
-            <a:off x="3276283" y="647953"/>
-            <a:ext cx="11581762" cy="1107440"/>
-          </a:xfrm>
-        </p:spPr>
-        <p:txBody>
-          <a:bodyPr/>
-          <a:p>
-            <a:pPr algn="ctr"/>
-            <a:r>
-              <a:rPr lang="en-US">
-                <a:solidFill>
-                  <a:schemeClr val="tx1"/>
-                </a:solidFill>
-                <a:sym typeface="+mn-ea"/>
-              </a:rPr>
-              <a:t>Declaring a Handler</a:t>
-            </a:r>
-            <a:br>
-              <a:rPr lang="en-US">
-                <a:solidFill>
-                  <a:schemeClr val="tx1"/>
-                </a:solidFill>
-              </a:rPr>
-            </a:br>
-            <a:endParaRPr lang="en-US">
-              <a:solidFill>
-                <a:schemeClr val="tx1"/>
-              </a:solidFill>
-            </a:endParaRPr>
-          </a:p>
-        </p:txBody>
-      </p:sp>
-      <p:sp>
-        <p:nvSpPr>
-          <p:cNvPr id="3" name="Subtitle 2"/>
-          <p:cNvSpPr>
-            <a:spLocks noGrp="1"/>
-          </p:cNvSpPr>
-          <p:nvPr>
-            <p:ph type="subTitle" idx="4"/>
-          </p:nvPr>
-        </p:nvSpPr>
-        <p:spPr>
-          <a:xfrm>
-            <a:off x="609601" y="1638553"/>
-            <a:ext cx="16465547" cy="553720"/>
-          </a:xfrm>
-        </p:spPr>
-        <p:txBody>
-          <a:bodyPr/>
-          <a:p>
-            <a:r>
-              <a:rPr lang="en-US">
-                <a:solidFill>
-                  <a:srgbClr val="FF0000"/>
-                </a:solidFill>
-              </a:rPr>
-              <a:t>DECLARE </a:t>
-            </a:r>
-            <a:r>
-              <a:rPr lang="en-US" i="1">
-                <a:solidFill>
-                  <a:srgbClr val="FF0000"/>
-                </a:solidFill>
-              </a:rPr>
-              <a:t>action HANDLER</a:t>
-            </a:r>
-            <a:r>
-              <a:rPr lang="en-US">
-                <a:solidFill>
-                  <a:srgbClr val="FF0000"/>
-                </a:solidFill>
-              </a:rPr>
-              <a:t> FOR </a:t>
-            </a:r>
-            <a:r>
-              <a:rPr lang="en-US" i="1">
-                <a:solidFill>
-                  <a:srgbClr val="FF0000"/>
-                </a:solidFill>
-              </a:rPr>
-              <a:t>condition_value</a:t>
-            </a:r>
-            <a:r>
-              <a:rPr lang="en-US">
-                <a:solidFill>
-                  <a:srgbClr val="FF0000"/>
-                </a:solidFill>
-              </a:rPr>
-              <a:t> statement;</a:t>
-            </a:r>
-            <a:endParaRPr lang="en-US">
-              <a:solidFill>
-                <a:srgbClr val="FF0000"/>
-              </a:solidFill>
-            </a:endParaRPr>
-          </a:p>
-        </p:txBody>
-      </p:sp>
-      <p:sp>
-        <p:nvSpPr>
-          <p:cNvPr id="4" name="Slide Number Placeholder 3"/>
-          <p:cNvSpPr>
-            <a:spLocks noGrp="1"/>
-          </p:cNvSpPr>
-          <p:nvPr>
-            <p:ph type="sldNum" sz="quarter" idx="7"/>
-          </p:nvPr>
-        </p:nvSpPr>
-        <p:spPr/>
-        <p:txBody>
-          <a:bodyPr/>
-          <a:p>
-            <a:fld id="{B6F15528-21DE-4FAA-801E-634DDDAF4B2B}" type="slidenum">
-              <a:rPr/>
-            </a:fld>
-            <a:endParaRPr/>
-          </a:p>
-        </p:txBody>
-      </p:sp>
-      <p:sp>
-        <p:nvSpPr>
-          <p:cNvPr id="6" name="Subtitle 2"/>
-          <p:cNvSpPr>
-            <a:spLocks noGrp="1"/>
-          </p:cNvSpPr>
-          <p:nvPr/>
-        </p:nvSpPr>
-        <p:spPr>
-          <a:xfrm>
-            <a:off x="609601" y="2657093"/>
-            <a:ext cx="16465547" cy="1107440"/>
-          </a:xfrm>
-          <a:prstGeom prst="rect">
-            <a:avLst/>
-          </a:prstGeom>
-        </p:spPr>
-        <p:txBody>
-          <a:bodyPr wrap="square" lIns="0" tIns="0" rIns="0" bIns="0">
-            <a:spAutoFit/>
-          </a:bodyPr>
-          <a:lstStyle>
-            <a:lvl1pPr marL="0">
-              <a:defRPr sz="3600" b="1" i="0">
-                <a:solidFill>
-                  <a:srgbClr val="F15B2A"/>
-                </a:solidFill>
-                <a:latin typeface="Arial" panose="020B0604020202020204"/>
-                <a:ea typeface="+mn-ea"/>
-                <a:cs typeface="Arial" panose="020B0604020202020204"/>
-              </a:defRPr>
-            </a:lvl1pPr>
-            <a:lvl2pPr marL="457200">
-              <a:defRPr>
-                <a:latin typeface="+mn-lt"/>
-                <a:ea typeface="+mn-ea"/>
-                <a:cs typeface="+mn-cs"/>
-              </a:defRPr>
-            </a:lvl2pPr>
-            <a:lvl3pPr marL="914400">
-              <a:defRPr>
-                <a:latin typeface="+mn-lt"/>
-                <a:ea typeface="+mn-ea"/>
-                <a:cs typeface="+mn-cs"/>
-              </a:defRPr>
-            </a:lvl3pPr>
-            <a:lvl4pPr marL="1371600">
-              <a:defRPr>
-                <a:latin typeface="+mn-lt"/>
-                <a:ea typeface="+mn-ea"/>
-                <a:cs typeface="+mn-cs"/>
-              </a:defRPr>
-            </a:lvl4pPr>
-            <a:lvl5pPr marL="1828800">
-              <a:defRPr>
-                <a:latin typeface="+mn-lt"/>
-                <a:ea typeface="+mn-ea"/>
-                <a:cs typeface="+mn-cs"/>
-              </a:defRPr>
-            </a:lvl5pPr>
-            <a:lvl6pPr marL="2286000">
-              <a:defRPr>
-                <a:latin typeface="+mn-lt"/>
-                <a:ea typeface="+mn-ea"/>
-                <a:cs typeface="+mn-cs"/>
-              </a:defRPr>
-            </a:lvl6pPr>
-            <a:lvl7pPr marL="2743200">
-              <a:defRPr>
-                <a:latin typeface="+mn-lt"/>
-                <a:ea typeface="+mn-ea"/>
-                <a:cs typeface="+mn-cs"/>
-              </a:defRPr>
-            </a:lvl7pPr>
-            <a:lvl8pPr marL="3200400">
-              <a:defRPr>
-                <a:latin typeface="+mn-lt"/>
-                <a:ea typeface="+mn-ea"/>
-                <a:cs typeface="+mn-cs"/>
-              </a:defRPr>
-            </a:lvl8pPr>
-            <a:lvl9pPr marL="3657600">
-              <a:defRPr>
-                <a:latin typeface="+mn-lt"/>
-                <a:ea typeface="+mn-ea"/>
-                <a:cs typeface="+mn-cs"/>
-              </a:defRPr>
-            </a:lvl9pPr>
-          </a:lstStyle>
-          <a:p>
-            <a:r>
-              <a:rPr lang="en-US">
-                <a:gradFill>
-                  <a:gsLst>
-                    <a:gs pos="0">
-                      <a:srgbClr val="14CD68"/>
-                    </a:gs>
-                    <a:gs pos="100000">
-                      <a:srgbClr val="0B6E38"/>
-                    </a:gs>
-                  </a:gsLst>
-                  <a:lin scaled="0"/>
-                </a:gradFill>
-              </a:rPr>
-              <a:t>DECLARE CONTINUE HANDLER FOR SQLEXCEPTION </a:t>
-            </a:r>
-            <a:endParaRPr lang="en-US">
-              <a:gradFill>
-                <a:gsLst>
-                  <a:gs pos="0">
-                    <a:srgbClr val="14CD68"/>
-                  </a:gs>
-                  <a:gs pos="100000">
-                    <a:srgbClr val="0B6E38"/>
-                  </a:gs>
-                </a:gsLst>
-                <a:lin scaled="0"/>
-              </a:gradFill>
-            </a:endParaRPr>
-          </a:p>
-          <a:p>
-            <a:r>
-              <a:rPr lang="en-US">
-                <a:gradFill>
-                  <a:gsLst>
-                    <a:gs pos="0">
-                      <a:srgbClr val="14CD68"/>
-                    </a:gs>
-                    <a:gs pos="100000">
-                      <a:srgbClr val="0B6E38"/>
-                    </a:gs>
-                  </a:gsLst>
-                  <a:lin scaled="0"/>
-                </a:gradFill>
-              </a:rPr>
-              <a:t>SET hasError = 1;</a:t>
-            </a:r>
-            <a:endParaRPr lang="en-US">
-              <a:gradFill>
-                <a:gsLst>
-                  <a:gs pos="0">
-                    <a:srgbClr val="14CD68"/>
-                  </a:gs>
-                  <a:gs pos="100000">
-                    <a:srgbClr val="0B6E38"/>
-                  </a:gs>
-                </a:gsLst>
-                <a:lin scaled="0"/>
-              </a:gradFill>
-            </a:endParaRPr>
-          </a:p>
-        </p:txBody>
-      </p:sp>
-      <p:sp>
-        <p:nvSpPr>
-          <p:cNvPr id="7" name="Subtitle 2"/>
-          <p:cNvSpPr>
-            <a:spLocks noGrp="1"/>
-          </p:cNvSpPr>
-          <p:nvPr/>
-        </p:nvSpPr>
-        <p:spPr>
-          <a:xfrm>
-            <a:off x="609601" y="3924553"/>
-            <a:ext cx="16465547" cy="3323590"/>
-          </a:xfrm>
-          <a:prstGeom prst="rect">
-            <a:avLst/>
-          </a:prstGeom>
-        </p:spPr>
-        <p:txBody>
-          <a:bodyPr wrap="square" lIns="0" tIns="0" rIns="0" bIns="0">
-            <a:spAutoFit/>
-          </a:bodyPr>
-          <a:lstStyle>
-            <a:lvl1pPr marL="0">
-              <a:defRPr sz="3600" b="1" i="0">
-                <a:solidFill>
-                  <a:srgbClr val="F15B2A"/>
-                </a:solidFill>
-                <a:latin typeface="Arial" panose="020B0604020202020204"/>
-                <a:ea typeface="+mn-ea"/>
-                <a:cs typeface="Arial" panose="020B0604020202020204"/>
-              </a:defRPr>
-            </a:lvl1pPr>
-            <a:lvl2pPr marL="457200">
-              <a:defRPr>
-                <a:latin typeface="+mn-lt"/>
-                <a:ea typeface="+mn-ea"/>
-                <a:cs typeface="+mn-cs"/>
-              </a:defRPr>
-            </a:lvl2pPr>
-            <a:lvl3pPr marL="914400">
-              <a:defRPr>
-                <a:latin typeface="+mn-lt"/>
-                <a:ea typeface="+mn-ea"/>
-                <a:cs typeface="+mn-cs"/>
-              </a:defRPr>
-            </a:lvl3pPr>
-            <a:lvl4pPr marL="1371600">
-              <a:defRPr>
-                <a:latin typeface="+mn-lt"/>
-                <a:ea typeface="+mn-ea"/>
-                <a:cs typeface="+mn-cs"/>
-              </a:defRPr>
-            </a:lvl4pPr>
-            <a:lvl5pPr marL="1828800">
-              <a:defRPr>
-                <a:latin typeface="+mn-lt"/>
-                <a:ea typeface="+mn-ea"/>
-                <a:cs typeface="+mn-cs"/>
-              </a:defRPr>
-            </a:lvl5pPr>
-            <a:lvl6pPr marL="2286000">
-              <a:defRPr>
-                <a:latin typeface="+mn-lt"/>
-                <a:ea typeface="+mn-ea"/>
-                <a:cs typeface="+mn-cs"/>
-              </a:defRPr>
-            </a:lvl6pPr>
-            <a:lvl7pPr marL="2743200">
-              <a:defRPr>
-                <a:latin typeface="+mn-lt"/>
-                <a:ea typeface="+mn-ea"/>
-                <a:cs typeface="+mn-cs"/>
-              </a:defRPr>
-            </a:lvl7pPr>
-            <a:lvl8pPr marL="3200400">
-              <a:defRPr>
-                <a:latin typeface="+mn-lt"/>
-                <a:ea typeface="+mn-ea"/>
-                <a:cs typeface="+mn-cs"/>
-              </a:defRPr>
-            </a:lvl8pPr>
-            <a:lvl9pPr marL="3657600">
-              <a:defRPr>
-                <a:latin typeface="+mn-lt"/>
-                <a:ea typeface="+mn-ea"/>
-                <a:cs typeface="+mn-cs"/>
-              </a:defRPr>
-            </a:lvl9pPr>
-          </a:lstStyle>
-          <a:p>
-            <a:r>
-              <a:rPr lang="en-US">
-                <a:gradFill>
-                  <a:gsLst>
-                    <a:gs pos="0">
-                      <a:srgbClr val="007BD3"/>
-                    </a:gs>
-                    <a:gs pos="100000">
-                      <a:srgbClr val="034373"/>
-                    </a:gs>
-                  </a:gsLst>
-                  <a:lin scaled="0"/>
-                </a:gradFill>
-              </a:rPr>
-              <a:t>DECLARE EXIT HANDLER FOR SQLEXCEPTION</a:t>
-            </a:r>
-            <a:endParaRPr lang="en-US">
-              <a:gradFill>
-                <a:gsLst>
-                  <a:gs pos="0">
-                    <a:srgbClr val="007BD3"/>
-                  </a:gs>
-                  <a:gs pos="100000">
-                    <a:srgbClr val="034373"/>
-                  </a:gs>
-                </a:gsLst>
-                <a:lin scaled="0"/>
-              </a:gradFill>
-            </a:endParaRPr>
-          </a:p>
-          <a:p>
-            <a:r>
-              <a:rPr lang="en-US">
-                <a:gradFill>
-                  <a:gsLst>
-                    <a:gs pos="0">
-                      <a:srgbClr val="007BD3"/>
-                    </a:gs>
-                    <a:gs pos="100000">
-                      <a:srgbClr val="034373"/>
-                    </a:gs>
-                  </a:gsLst>
-                  <a:lin scaled="0"/>
-                </a:gradFill>
-              </a:rPr>
-              <a:t>BEGIN</a:t>
-            </a:r>
-            <a:endParaRPr lang="en-US">
-              <a:gradFill>
-                <a:gsLst>
-                  <a:gs pos="0">
-                    <a:srgbClr val="007BD3"/>
-                  </a:gs>
-                  <a:gs pos="100000">
-                    <a:srgbClr val="034373"/>
-                  </a:gs>
-                </a:gsLst>
-                <a:lin scaled="0"/>
-              </a:gradFill>
-            </a:endParaRPr>
-          </a:p>
-          <a:p>
-            <a:r>
-              <a:rPr lang="en-US">
-                <a:gradFill>
-                  <a:gsLst>
-                    <a:gs pos="0">
-                      <a:srgbClr val="007BD3"/>
-                    </a:gs>
-                    <a:gs pos="100000">
-                      <a:srgbClr val="034373"/>
-                    </a:gs>
-                  </a:gsLst>
-                  <a:lin scaled="0"/>
-                </a:gradFill>
-              </a:rPr>
-              <a:t>    ROLLBACK;</a:t>
-            </a:r>
-            <a:endParaRPr lang="en-US">
-              <a:gradFill>
-                <a:gsLst>
-                  <a:gs pos="0">
-                    <a:srgbClr val="007BD3"/>
-                  </a:gs>
-                  <a:gs pos="100000">
-                    <a:srgbClr val="034373"/>
-                  </a:gs>
-                </a:gsLst>
-                <a:lin scaled="0"/>
-              </a:gradFill>
-            </a:endParaRPr>
-          </a:p>
-          <a:p>
-            <a:r>
-              <a:rPr lang="en-US">
-                <a:gradFill>
-                  <a:gsLst>
-                    <a:gs pos="0">
-                      <a:srgbClr val="007BD3"/>
-                    </a:gs>
-                    <a:gs pos="100000">
-                      <a:srgbClr val="034373"/>
-                    </a:gs>
-                  </a:gsLst>
-                  <a:lin scaled="0"/>
-                </a:gradFill>
-              </a:rPr>
-              <a:t>    SELECT 'An error has occurred, operation rollbacked and the stored procedure was terminated';</a:t>
-            </a:r>
-            <a:endParaRPr lang="en-US">
-              <a:gradFill>
-                <a:gsLst>
-                  <a:gs pos="0">
-                    <a:srgbClr val="007BD3"/>
-                  </a:gs>
-                  <a:gs pos="100000">
-                    <a:srgbClr val="034373"/>
-                  </a:gs>
-                </a:gsLst>
-                <a:lin scaled="0"/>
-              </a:gradFill>
-            </a:endParaRPr>
-          </a:p>
-          <a:p>
-            <a:r>
-              <a:rPr lang="en-US">
-                <a:gradFill>
-                  <a:gsLst>
-                    <a:gs pos="0">
-                      <a:srgbClr val="007BD3"/>
-                    </a:gs>
-                    <a:gs pos="100000">
-                      <a:srgbClr val="034373"/>
-                    </a:gs>
-                  </a:gsLst>
-                  <a:lin scaled="0"/>
-                </a:gradFill>
-              </a:rPr>
-              <a:t>END;</a:t>
-            </a:r>
-            <a:endParaRPr lang="en-US">
-              <a:gradFill>
-                <a:gsLst>
-                  <a:gs pos="0">
-                    <a:srgbClr val="007BD3"/>
-                  </a:gs>
-                  <a:gs pos="100000">
-                    <a:srgbClr val="034373"/>
-                  </a:gs>
-                </a:gsLst>
-                <a:lin scaled="0"/>
-              </a:gradFill>
-            </a:endParaRPr>
-          </a:p>
-        </p:txBody>
-      </p:sp>
-      <p:sp>
-        <p:nvSpPr>
-          <p:cNvPr id="9" name="Subtitle 2"/>
-          <p:cNvSpPr>
-            <a:spLocks noGrp="1"/>
-          </p:cNvSpPr>
-          <p:nvPr/>
-        </p:nvSpPr>
-        <p:spPr>
-          <a:xfrm>
-            <a:off x="609601" y="7408163"/>
-            <a:ext cx="16465547" cy="1107440"/>
-          </a:xfrm>
-          <a:prstGeom prst="rect">
-            <a:avLst/>
-          </a:prstGeom>
-        </p:spPr>
-        <p:txBody>
-          <a:bodyPr wrap="square" lIns="0" tIns="0" rIns="0" bIns="0">
-            <a:spAutoFit/>
-          </a:bodyPr>
-          <a:lstStyle>
-            <a:lvl1pPr marL="0">
-              <a:defRPr sz="3600" b="1" i="0">
-                <a:solidFill>
-                  <a:srgbClr val="F15B2A"/>
-                </a:solidFill>
-                <a:latin typeface="Arial" panose="020B0604020202020204"/>
-                <a:ea typeface="+mn-ea"/>
-                <a:cs typeface="Arial" panose="020B0604020202020204"/>
-              </a:defRPr>
-            </a:lvl1pPr>
-            <a:lvl2pPr marL="457200">
-              <a:defRPr>
-                <a:latin typeface="+mn-lt"/>
-                <a:ea typeface="+mn-ea"/>
-                <a:cs typeface="+mn-cs"/>
-              </a:defRPr>
-            </a:lvl2pPr>
-            <a:lvl3pPr marL="914400">
-              <a:defRPr>
-                <a:latin typeface="+mn-lt"/>
-                <a:ea typeface="+mn-ea"/>
-                <a:cs typeface="+mn-cs"/>
-              </a:defRPr>
-            </a:lvl3pPr>
-            <a:lvl4pPr marL="1371600">
-              <a:defRPr>
-                <a:latin typeface="+mn-lt"/>
-                <a:ea typeface="+mn-ea"/>
-                <a:cs typeface="+mn-cs"/>
-              </a:defRPr>
-            </a:lvl4pPr>
-            <a:lvl5pPr marL="1828800">
-              <a:defRPr>
-                <a:latin typeface="+mn-lt"/>
-                <a:ea typeface="+mn-ea"/>
-                <a:cs typeface="+mn-cs"/>
-              </a:defRPr>
-            </a:lvl5pPr>
-            <a:lvl6pPr marL="2286000">
-              <a:defRPr>
-                <a:latin typeface="+mn-lt"/>
-                <a:ea typeface="+mn-ea"/>
-                <a:cs typeface="+mn-cs"/>
-              </a:defRPr>
-            </a:lvl6pPr>
-            <a:lvl7pPr marL="2743200">
-              <a:defRPr>
-                <a:latin typeface="+mn-lt"/>
-                <a:ea typeface="+mn-ea"/>
-                <a:cs typeface="+mn-cs"/>
-              </a:defRPr>
-            </a:lvl7pPr>
-            <a:lvl8pPr marL="3200400">
-              <a:defRPr>
-                <a:latin typeface="+mn-lt"/>
-                <a:ea typeface="+mn-ea"/>
-                <a:cs typeface="+mn-cs"/>
-              </a:defRPr>
-            </a:lvl8pPr>
-            <a:lvl9pPr marL="3657600">
-              <a:defRPr>
-                <a:latin typeface="+mn-lt"/>
-                <a:ea typeface="+mn-ea"/>
-                <a:cs typeface="+mn-cs"/>
-              </a:defRPr>
-            </a:lvl9pPr>
-          </a:lstStyle>
-          <a:p>
-            <a:r>
-              <a:rPr lang="en-US">
-                <a:solidFill>
-                  <a:schemeClr val="accent4">
-                    <a:lumMod val="60000"/>
-                    <a:lumOff val="40000"/>
-                  </a:schemeClr>
-                </a:solidFill>
-              </a:rPr>
-              <a:t>DECLARE CONTINUE HANDLER FOR NOT FOUND </a:t>
-            </a:r>
-            <a:endParaRPr lang="en-US">
-              <a:solidFill>
-                <a:schemeClr val="accent4">
-                  <a:lumMod val="60000"/>
-                  <a:lumOff val="40000"/>
-                </a:schemeClr>
-              </a:solidFill>
-            </a:endParaRPr>
-          </a:p>
-          <a:p>
-            <a:r>
-              <a:rPr lang="en-US">
-                <a:solidFill>
-                  <a:schemeClr val="accent4">
-                    <a:lumMod val="60000"/>
-                    <a:lumOff val="40000"/>
-                  </a:schemeClr>
-                </a:solidFill>
-              </a:rPr>
-              <a:t>SET RowNotFound = 1;</a:t>
-            </a:r>
-            <a:endParaRPr lang="en-US">
-              <a:solidFill>
-                <a:schemeClr val="accent4">
-                  <a:lumMod val="60000"/>
-                  <a:lumOff val="40000"/>
-                </a:schemeClr>
-              </a:solidFill>
-            </a:endParaRPr>
-          </a:p>
-        </p:txBody>
-      </p:sp>
-      <p:sp>
-        <p:nvSpPr>
-          <p:cNvPr id="10" name="Subtitle 2"/>
-          <p:cNvSpPr>
-            <a:spLocks noGrp="1"/>
-          </p:cNvSpPr>
-          <p:nvPr/>
-        </p:nvSpPr>
-        <p:spPr>
-          <a:xfrm>
-            <a:off x="609601" y="9106153"/>
-            <a:ext cx="16465547" cy="1107440"/>
-          </a:xfrm>
-          <a:prstGeom prst="rect">
-            <a:avLst/>
-          </a:prstGeom>
-        </p:spPr>
-        <p:txBody>
-          <a:bodyPr wrap="square" lIns="0" tIns="0" rIns="0" bIns="0">
-            <a:spAutoFit/>
-          </a:bodyPr>
-          <a:lstStyle>
-            <a:lvl1pPr marL="0">
-              <a:defRPr sz="3600" b="1" i="0">
-                <a:solidFill>
-                  <a:srgbClr val="F15B2A"/>
-                </a:solidFill>
-                <a:latin typeface="Arial" panose="020B0604020202020204"/>
-                <a:ea typeface="+mn-ea"/>
-                <a:cs typeface="Arial" panose="020B0604020202020204"/>
-              </a:defRPr>
-            </a:lvl1pPr>
-            <a:lvl2pPr marL="457200">
-              <a:defRPr>
-                <a:latin typeface="+mn-lt"/>
-                <a:ea typeface="+mn-ea"/>
-                <a:cs typeface="+mn-cs"/>
-              </a:defRPr>
-            </a:lvl2pPr>
-            <a:lvl3pPr marL="914400">
-              <a:defRPr>
-                <a:latin typeface="+mn-lt"/>
-                <a:ea typeface="+mn-ea"/>
-                <a:cs typeface="+mn-cs"/>
-              </a:defRPr>
-            </a:lvl3pPr>
-            <a:lvl4pPr marL="1371600">
-              <a:defRPr>
-                <a:latin typeface="+mn-lt"/>
-                <a:ea typeface="+mn-ea"/>
-                <a:cs typeface="+mn-cs"/>
-              </a:defRPr>
-            </a:lvl4pPr>
-            <a:lvl5pPr marL="1828800">
-              <a:defRPr>
-                <a:latin typeface="+mn-lt"/>
-                <a:ea typeface="+mn-ea"/>
-                <a:cs typeface="+mn-cs"/>
-              </a:defRPr>
-            </a:lvl5pPr>
-            <a:lvl6pPr marL="2286000">
-              <a:defRPr>
-                <a:latin typeface="+mn-lt"/>
-                <a:ea typeface="+mn-ea"/>
-                <a:cs typeface="+mn-cs"/>
-              </a:defRPr>
-            </a:lvl6pPr>
-            <a:lvl7pPr marL="2743200">
-              <a:defRPr>
-                <a:latin typeface="+mn-lt"/>
-                <a:ea typeface="+mn-ea"/>
-                <a:cs typeface="+mn-cs"/>
-              </a:defRPr>
-            </a:lvl7pPr>
-            <a:lvl8pPr marL="3200400">
-              <a:defRPr>
-                <a:latin typeface="+mn-lt"/>
-                <a:ea typeface="+mn-ea"/>
-                <a:cs typeface="+mn-cs"/>
-              </a:defRPr>
-            </a:lvl8pPr>
-            <a:lvl9pPr marL="3657600">
-              <a:defRPr>
-                <a:latin typeface="+mn-lt"/>
-                <a:ea typeface="+mn-ea"/>
-                <a:cs typeface="+mn-cs"/>
-              </a:defRPr>
-            </a:lvl9pPr>
-          </a:lstStyle>
-          <a:p>
-            <a:r>
-              <a:rPr lang="en-US"/>
-              <a:t>DECLARE CONTINUE HANDLER FOR 1062</a:t>
-            </a:r>
-            <a:endParaRPr lang="en-US"/>
-          </a:p>
-          <a:p>
-            <a:r>
-              <a:rPr lang="en-US"/>
-              <a:t>SELECT 'Error, duplicate key occurred';</a:t>
-            </a:r>
-            <a:endParaRPr lang="en-US"/>
-          </a:p>
-        </p:txBody>
-      </p:sp>
-    </p:spTree>
-  </p:cSld>
-  <p:clrMapOvr>
-    <a:masterClrMapping/>
-  </p:clrMapOvr>
-</p:sld>
-</file>
-
-<file path=ppt/slides/slide22.xml><?xml version="1.0" encoding="utf-8"?>
 <p:sld xmlns:a="http://schemas.openxmlformats.org/drawingml/2006/main" xmlns:r="http://schemas.openxmlformats.org/officeDocument/2006/relationships" xmlns:p="http://schemas.openxmlformats.org/presentationml/2006/main">
   <p:cSld>
     <p:spTree>
@@ -14998,169 +14295,7 @@
           <p:nvPr/>
         </p:nvPicPr>
         <p:blipFill>
-          <a:blip r:embed="rId1" cstate="print"/>
-          <a:stretch>
-            <a:fillRect/>
-          </a:stretch>
-        </p:blipFill>
-        <p:spPr>
-          <a:xfrm>
-            <a:off x="0" y="0"/>
-            <a:ext cx="6953250" cy="10286999"/>
-          </a:xfrm>
-          <a:prstGeom prst="rect">
-            <a:avLst/>
-          </a:prstGeom>
-        </p:spPr>
-      </p:pic>
-      <p:sp>
-        <p:nvSpPr>
-          <p:cNvPr id="4" name="object 4"/>
-          <p:cNvSpPr txBox="1"/>
-          <p:nvPr/>
-        </p:nvSpPr>
-        <p:spPr>
-          <a:xfrm>
-            <a:off x="7945120" y="4684395"/>
-            <a:ext cx="10191750" cy="1120140"/>
-          </a:xfrm>
-          <a:prstGeom prst="rect">
-            <a:avLst/>
-          </a:prstGeom>
-        </p:spPr>
-        <p:txBody>
-          <a:bodyPr vert="horz" wrap="square" lIns="0" tIns="12700" rIns="0" bIns="0" rtlCol="0">
-            <a:spAutoFit/>
-          </a:bodyPr>
-          <a:lstStyle/>
-          <a:p>
-            <a:pPr marL="12700">
-              <a:lnSpc>
-                <a:spcPct val="100000"/>
-              </a:lnSpc>
-              <a:spcBef>
-                <a:spcPts val="100"/>
-              </a:spcBef>
-            </a:pPr>
-            <a:r>
-              <a:rPr sz="3600" b="1" dirty="0">
-                <a:solidFill>
-                  <a:srgbClr val="2A9FBC"/>
-                </a:solidFill>
-                <a:latin typeface="Arial" panose="020B0604020202020204"/>
-                <a:cs typeface="Arial" panose="020B0604020202020204"/>
-              </a:rPr>
-              <a:t>JDBC Stored Procedures with Exception Handling</a:t>
-            </a:r>
-            <a:endParaRPr sz="3600" b="1" dirty="0">
-              <a:solidFill>
-                <a:srgbClr val="2A9FBC"/>
-              </a:solidFill>
-              <a:latin typeface="Arial" panose="020B0604020202020204"/>
-              <a:cs typeface="Arial" panose="020B0604020202020204"/>
-            </a:endParaRPr>
-          </a:p>
-        </p:txBody>
-      </p:sp>
-      <p:sp>
-        <p:nvSpPr>
-          <p:cNvPr id="5" name="Slide Number Placeholder 4"/>
-          <p:cNvSpPr>
-            <a:spLocks noGrp="1"/>
-          </p:cNvSpPr>
-          <p:nvPr>
-            <p:ph type="sldNum" sz="quarter" idx="7"/>
-          </p:nvPr>
-        </p:nvSpPr>
-        <p:spPr/>
-        <p:txBody>
-          <a:bodyPr/>
-          <a:p>
-            <a:fld id="{B6F15528-21DE-4FAA-801E-634DDDAF4B2B}" type="slidenum">
-              <a:rPr/>
-            </a:fld>
-            <a:endParaRPr/>
-          </a:p>
-        </p:txBody>
-      </p:sp>
-      <p:sp>
-        <p:nvSpPr>
-          <p:cNvPr id="6" name="object 3"/>
-          <p:cNvSpPr txBox="1"/>
-          <p:nvPr/>
-        </p:nvSpPr>
-        <p:spPr>
-          <a:xfrm>
-            <a:off x="713105" y="2861310"/>
-            <a:ext cx="6189345" cy="843280"/>
-          </a:xfrm>
-          <a:prstGeom prst="rect">
-            <a:avLst/>
-          </a:prstGeom>
-        </p:spPr>
-        <p:txBody>
-          <a:bodyPr vert="horz" wrap="square" lIns="0" tIns="12700" rIns="0" bIns="0" rtlCol="0">
-            <a:spAutoFit/>
-          </a:bodyPr>
-          <a:p>
-            <a:pPr marL="12700">
-              <a:lnSpc>
-                <a:spcPct val="100000"/>
-              </a:lnSpc>
-              <a:spcBef>
-                <a:spcPts val="100"/>
-              </a:spcBef>
-            </a:pPr>
-            <a:r>
-              <a:rPr lang="en-US" sz="5400" spc="-80" dirty="0">
-                <a:solidFill>
-                  <a:srgbClr val="FFFFFF"/>
-                </a:solidFill>
-                <a:latin typeface="Microsoft Sans Serif" panose="020B0604020202020204"/>
-                <a:cs typeface="Microsoft Sans Serif" panose="020B0604020202020204"/>
-              </a:rPr>
-              <a:t>Assissted Practice</a:t>
-            </a:r>
-            <a:endParaRPr lang="en-US" sz="5400">
-              <a:latin typeface="Microsoft Sans Serif" panose="020B0604020202020204"/>
-              <a:cs typeface="Microsoft Sans Serif" panose="020B0604020202020204"/>
-            </a:endParaRPr>
-          </a:p>
-        </p:txBody>
-      </p:sp>
-    </p:spTree>
-  </p:cSld>
-  <p:clrMapOvr>
-    <a:masterClrMapping/>
-  </p:clrMapOvr>
-</p:sld>
-</file>
-
-<file path=ppt/slides/slide23.xml><?xml version="1.0" encoding="utf-8"?>
-<p:sld xmlns:a="http://schemas.openxmlformats.org/drawingml/2006/main" xmlns:r="http://schemas.openxmlformats.org/officeDocument/2006/relationships" xmlns:p="http://schemas.openxmlformats.org/presentationml/2006/main">
-  <p:cSld>
-    <p:spTree>
-      <p:nvGrpSpPr>
-        <p:cNvPr id="1" name=""/>
-        <p:cNvGrpSpPr/>
-        <p:nvPr/>
-      </p:nvGrpSpPr>
-      <p:grpSpPr>
-        <a:xfrm>
-          <a:off x="0" y="0"/>
-          <a:ext cx="0" cy="0"/>
-          <a:chOff x="0" y="0"/>
-          <a:chExt cx="0" cy="0"/>
-        </a:xfrm>
-      </p:grpSpPr>
-      <p:pic>
-        <p:nvPicPr>
-          <p:cNvPr id="2" name="object 2"/>
-          <p:cNvPicPr/>
-          <p:nvPr/>
-        </p:nvPicPr>
-        <p:blipFill>
-          <a:blip r:embed="rId1" cstate="print"/>
+          <a:blip r:embed="rId2" cstate="print"/>
           <a:stretch>
             <a:fillRect/>
           </a:stretch>
@@ -15329,7 +14464,7 @@
         <p:spPr>
           <a:xfrm>
             <a:off x="1274445" y="3617595"/>
-            <a:ext cx="16578580" cy="5072380"/>
+            <a:ext cx="16578580" cy="4175117"/>
           </a:xfrm>
           <a:prstGeom prst="rect">
             <a:avLst/>
@@ -15417,7 +14552,6 @@
               <a:rPr spc="-55" dirty="0"/>
               <a:t>}</a:t>
             </a:r>
-            <a:endParaRPr spc="-55" dirty="0"/>
           </a:p>
           <a:p>
             <a:pPr marL="6682740" marR="5080">
@@ -15536,7 +14670,6 @@
               <a:rPr spc="-25" dirty="0"/>
               <a:t>column</a:t>
             </a:r>
-            <a:endParaRPr spc="-25" dirty="0"/>
           </a:p>
           <a:p>
             <a:pPr marL="6682740">
@@ -15619,7 +14752,6 @@
               <a:rPr spc="25" dirty="0"/>
               <a:t>d</a:t>
             </a:r>
-            <a:endParaRPr spc="25" dirty="0"/>
           </a:p>
           <a:p>
             <a:pPr marL="6682740">
@@ -15666,30 +14798,6 @@
               <a:rPr spc="15" dirty="0"/>
               <a:t>registered</a:t>
             </a:r>
-            <a:endParaRPr spc="15" dirty="0"/>
-          </a:p>
-          <a:p>
-            <a:pPr marL="6682740">
-              <a:lnSpc>
-                <a:spcPct val="100000"/>
-              </a:lnSpc>
-              <a:spcBef>
-                <a:spcPts val="2690"/>
-              </a:spcBef>
-            </a:pPr>
-            <a:r>
-              <a:rPr lang="en-US" spc="15" dirty="0"/>
-              <a:t>D</a:t>
-            </a:r>
-            <a:r>
-              <a:rPr spc="15" dirty="0"/>
-              <a:t>eclare a handler</a:t>
-            </a:r>
-            <a:r>
-              <a:rPr lang="en-US" spc="15" dirty="0"/>
-              <a:t> for Callable Exceptions</a:t>
-            </a:r>
-            <a:endParaRPr lang="en-US" spc="15" dirty="0"/>
           </a:p>
         </p:txBody>
       </p:sp>
@@ -15792,9 +14900,11 @@
         <p:spPr/>
         <p:txBody>
           <a:bodyPr/>
+          <a:lstStyle/>
           <a:p>
             <a:fld id="{B6F15528-21DE-4FAA-801E-634DDDAF4B2B}" type="slidenum">
               <a:rPr/>
+              <a:t>21</a:t>
             </a:fld>
             <a:endParaRPr/>
           </a:p>
@@ -15862,7 +14972,9 @@
         <p:txBody>
           <a:bodyPr wrap="square" lIns="0" tIns="0" rIns="0" bIns="0" rtlCol="0"/>
           <a:lstStyle/>
-          <a:p/>
+          <a:p>
+            <a:endParaRPr/>
+          </a:p>
         </p:txBody>
       </p:sp>
       <p:sp>
@@ -16570,13 +15682,6 @@
               </a:rPr>
               <a:t>price</a:t>
             </a:r>
-            <a:endParaRPr sz="3400" b="1" spc="15" dirty="0">
-              <a:solidFill>
-                <a:srgbClr val="F15B2A"/>
-              </a:solidFill>
-              <a:latin typeface="Arial" panose="020B0604020202020204"/>
-              <a:cs typeface="Arial" panose="020B0604020202020204"/>
-            </a:endParaRPr>
           </a:p>
           <a:p>
             <a:pPr marL="12700" algn="l">
@@ -16600,13 +15705,6 @@
               </a:rPr>
               <a:t>Declare an Exit Handler for exceptions</a:t>
             </a:r>
-            <a:endParaRPr sz="3400" b="1" spc="100" dirty="0">
-              <a:solidFill>
-                <a:srgbClr val="F15B2A"/>
-              </a:solidFill>
-              <a:latin typeface="Arial" panose="020B0604020202020204"/>
-              <a:cs typeface="Arial" panose="020B0604020202020204"/>
-            </a:endParaRPr>
           </a:p>
         </p:txBody>
       </p:sp>
@@ -16839,9 +15937,11 @@
         <p:spPr/>
         <p:txBody>
           <a:bodyPr/>
+          <a:lstStyle/>
           <a:p>
             <a:fld id="{B6F15528-21DE-4FAA-801E-634DDDAF4B2B}" type="slidenum">
               <a:rPr/>
+              <a:t>3</a:t>
             </a:fld>
             <a:endParaRPr/>
           </a:p>
@@ -16909,7 +16009,9 @@
         <p:txBody>
           <a:bodyPr wrap="square" lIns="0" tIns="0" rIns="0" bIns="0" rtlCol="0"/>
           <a:lstStyle/>
-          <a:p/>
+          <a:p>
+            <a:endParaRPr/>
+          </a:p>
         </p:txBody>
       </p:sp>
       <p:sp>
@@ -17458,9 +16560,11 @@
         <p:spPr/>
         <p:txBody>
           <a:bodyPr/>
+          <a:lstStyle/>
           <a:p>
             <a:fld id="{B6F15528-21DE-4FAA-801E-634DDDAF4B2B}" type="slidenum">
               <a:rPr/>
+              <a:t>4</a:t>
             </a:fld>
             <a:endParaRPr/>
           </a:p>
@@ -18082,17 +17186,7 @@
                 <a:latin typeface="Lucida Sans Unicode" panose="020B0602030504020204"/>
                 <a:cs typeface="Lucida Sans Unicode" panose="020B0602030504020204"/>
               </a:rPr>
-              <a:t>e</a:t>
-            </a:r>
-            <a:r>
-              <a:rPr sz="4400" spc="-75" dirty="0">
-                <a:solidFill>
-                  <a:srgbClr val="404040"/>
-                </a:solidFill>
-                <a:latin typeface="Lucida Sans Unicode" panose="020B0602030504020204"/>
-                <a:cs typeface="Lucida Sans Unicode" panose="020B0602030504020204"/>
-              </a:rPr>
-              <a:t>d</a:t>
+              <a:t>ed</a:t>
             </a:r>
             <a:r>
               <a:rPr sz="4400" spc="-325" dirty="0">
@@ -18378,9 +17472,11 @@
         <p:spPr/>
         <p:txBody>
           <a:bodyPr/>
+          <a:lstStyle/>
           <a:p>
             <a:fld id="{B6F15528-21DE-4FAA-801E-634DDDAF4B2B}" type="slidenum">
               <a:rPr/>
+              <a:t>5</a:t>
             </a:fld>
             <a:endParaRPr/>
           </a:p>
@@ -18456,7 +17552,9 @@
         <p:txBody>
           <a:bodyPr wrap="square" lIns="0" tIns="0" rIns="0" bIns="0" rtlCol="0"/>
           <a:lstStyle/>
-          <a:p/>
+          <a:p>
+            <a:endParaRPr/>
+          </a:p>
         </p:txBody>
       </p:sp>
       <p:grpSp>
@@ -18480,7 +17578,7 @@
             <p:nvPr/>
           </p:nvPicPr>
           <p:blipFill>
-            <a:blip r:embed="rId1" cstate="print"/>
+            <a:blip r:embed="rId2" cstate="print"/>
             <a:stretch>
               <a:fillRect/>
             </a:stretch>
@@ -18540,7 +17638,9 @@
           <p:txBody>
             <a:bodyPr wrap="square" lIns="0" tIns="0" rIns="0" bIns="0" rtlCol="0"/>
             <a:lstStyle/>
-            <a:p/>
+            <a:p>
+              <a:endParaRPr/>
+            </a:p>
           </p:txBody>
         </p:sp>
       </p:grpSp>
@@ -20185,9 +19285,11 @@
         <p:spPr/>
         <p:txBody>
           <a:bodyPr/>
+          <a:lstStyle/>
           <a:p>
             <a:fld id="{B6F15528-21DE-4FAA-801E-634DDDAF4B2B}" type="slidenum">
               <a:rPr/>
+              <a:t>6</a:t>
             </a:fld>
             <a:endParaRPr/>
           </a:p>
@@ -20225,7 +19327,7 @@
           <p:nvPr/>
         </p:nvPicPr>
         <p:blipFill>
-          <a:blip r:embed="rId1" cstate="print"/>
+          <a:blip r:embed="rId2" cstate="print"/>
           <a:stretch>
             <a:fillRect/>
           </a:stretch>
@@ -20279,13 +19381,6 @@
               </a:rPr>
               <a:t>Callable Statements</a:t>
             </a:r>
-            <a:endParaRPr sz="3600" b="1" dirty="0">
-              <a:solidFill>
-                <a:srgbClr val="2A9FBC"/>
-              </a:solidFill>
-              <a:latin typeface="Arial" panose="020B0604020202020204"/>
-              <a:cs typeface="Arial" panose="020B0604020202020204"/>
-            </a:endParaRPr>
           </a:p>
         </p:txBody>
       </p:sp>
@@ -20302,9 +19397,11 @@
         <p:spPr/>
         <p:txBody>
           <a:bodyPr/>
+          <a:lstStyle/>
           <a:p>
             <a:fld id="{B6F15528-21DE-4FAA-801E-634DDDAF4B2B}" type="slidenum">
               <a:rPr/>
+              <a:t>7</a:t>
             </a:fld>
             <a:endParaRPr/>
           </a:p>
@@ -20329,6 +19426,7 @@
           <a:bodyPr vert="horz" wrap="square" lIns="0" tIns="12700" rIns="0" bIns="0" rtlCol="0">
             <a:spAutoFit/>
           </a:bodyPr>
+          <a:lstStyle/>
           <a:p>
             <a:pPr marL="12700">
               <a:lnSpc>
@@ -20559,7 +19657,6 @@
               <a:rPr spc="-10" dirty="0"/>
               <a:t>procedures</a:t>
             </a:r>
-            <a:endParaRPr spc="-10" dirty="0"/>
           </a:p>
         </p:txBody>
       </p:sp>
@@ -20722,9 +19819,11 @@
         <p:spPr/>
         <p:txBody>
           <a:bodyPr/>
+          <a:lstStyle/>
           <a:p>
             <a:fld id="{B6F15528-21DE-4FAA-801E-634DDDAF4B2B}" type="slidenum">
               <a:rPr/>
+              <a:t>8</a:t>
             </a:fld>
             <a:endParaRPr/>
           </a:p>
@@ -21916,17 +21015,7 @@
                 <a:latin typeface="Lucida Sans Unicode" panose="020B0602030504020204"/>
                 <a:cs typeface="Lucida Sans Unicode" panose="020B0602030504020204"/>
               </a:rPr>
-              <a:t>e</a:t>
-            </a:r>
-            <a:r>
-              <a:rPr sz="4400" spc="-75" dirty="0">
-                <a:solidFill>
-                  <a:srgbClr val="404040"/>
-                </a:solidFill>
-                <a:latin typeface="Lucida Sans Unicode" panose="020B0602030504020204"/>
-                <a:cs typeface="Lucida Sans Unicode" panose="020B0602030504020204"/>
-              </a:rPr>
-              <a:t>d</a:t>
+              <a:t>ed</a:t>
             </a:r>
             <a:r>
               <a:rPr sz="4400" spc="-325" dirty="0">
@@ -22272,9 +21361,11 @@
         <p:spPr/>
         <p:txBody>
           <a:bodyPr/>
+          <a:lstStyle/>
           <a:p>
             <a:fld id="{B6F15528-21DE-4FAA-801E-634DDDAF4B2B}" type="slidenum">
               <a:rPr/>
+              <a:t>9</a:t>
             </a:fld>
             <a:endParaRPr/>
           </a:p>
@@ -22566,6 +21657,8 @@
       </a:bgFillStyleLst>
     </a:fmtScheme>
   </a:themeElements>
+  <a:objectDefaults/>
+  <a:extraClrSchemeLst/>
   <a:extLst>
     <a:ext uri="{05A4C25C-085E-4340-85A3-A5531E510DB2}">
       <thm15:themeFamily xmlns:thm15="http://schemas.microsoft.com/office/thememl/2012/main" name="Office Theme" id="{62F939B6-93AF-4DB8-9C6B-D6C7DFDC589F}" vid="{4A3C46E8-61CC-4603-A589-7422A47A8E4A}"/>
@@ -22852,6 +21945,8 @@
       </a:bgFillStyleLst>
     </a:fmtScheme>
   </a:themeElements>
+  <a:objectDefaults/>
+  <a:extraClrSchemeLst/>
   <a:extLst>
     <a:ext uri="{05A4C25C-085E-4340-85A3-A5531E510DB2}">
       <thm15:themeFamily xmlns:thm15="http://schemas.microsoft.com/office/thememl/2012/main" name="Office Theme" id="{62F939B6-93AF-4DB8-9C6B-D6C7DFDC589F}" vid="{4A3C46E8-61CC-4603-A589-7422A47A8E4A}"/>
@@ -23111,6 +22206,8 @@
       </a:bgFillStyleLst>
     </a:fmtScheme>
   </a:themeElements>
+  <a:objectDefaults/>
+  <a:extraClrSchemeLst/>
   <a:extLst>
     <a:ext uri="{05A4C25C-085E-4340-85A3-A5531E510DB2}">
       <thm15:themeFamily xmlns:thm15="http://schemas.microsoft.com/office/thememl/2012/main" name="Office Theme" id="{62F939B6-93AF-4DB8-9C6B-D6C7DFDC589F}" vid="{4A3C46E8-61CC-4603-A589-7422A47A8E4A}"/>

--- a/Day 6/Slides/7. Working with a CallableStatement/working-with-a-callable-statement-slides.pptx
+++ b/Day 6/Slides/7. Working with a CallableStatement/working-with-a-callable-statement-slides.pptx
@@ -226,7 +226,7 @@
           <a:p>
             <a:fld id="{3EFD42F7-718C-4B98-AAEC-167E6DDD60A7}" type="datetimeFigureOut">
               <a:rPr lang="en-US" smtClean="0"/>
-              <a:t>8/10/2023</a:t>
+              <a:t>8/14/2023</a:t>
             </a:fld>
             <a:endParaRPr lang="en-US"/>
           </a:p>
@@ -683,7 +683,7 @@
           <a:p>
             <a:fld id="{1D8BD707-D9CF-40AE-B4C6-C98DA3205C09}" type="datetimeFigureOut">
               <a:rPr lang="en-US"/>
-              <a:t>8/10/2023</a:t>
+              <a:t>8/14/2023</a:t>
             </a:fld>
             <a:endParaRPr lang="en-US"/>
           </a:p>
@@ -934,7 +934,7 @@
           <a:p>
             <a:fld id="{1D8BD707-D9CF-40AE-B4C6-C98DA3205C09}" type="datetimeFigureOut">
               <a:rPr lang="en-US"/>
-              <a:t>8/10/2023</a:t>
+              <a:t>8/14/2023</a:t>
             </a:fld>
             <a:endParaRPr lang="en-US"/>
           </a:p>
@@ -1113,7 +1113,7 @@
           <a:p>
             <a:fld id="{1D8BD707-D9CF-40AE-B4C6-C98DA3205C09}" type="datetimeFigureOut">
               <a:rPr lang="en-US"/>
-              <a:t>8/10/2023</a:t>
+              <a:t>8/14/2023</a:t>
             </a:fld>
             <a:endParaRPr lang="en-US"/>
           </a:p>
@@ -1465,7 +1465,7 @@
           <a:p>
             <a:fld id="{1D8BD707-D9CF-40AE-B4C6-C98DA3205C09}" type="datetimeFigureOut">
               <a:rPr lang="en-US"/>
-              <a:t>8/10/2023</a:t>
+              <a:t>8/14/2023</a:t>
             </a:fld>
             <a:endParaRPr lang="en-US"/>
           </a:p>
@@ -1615,7 +1615,7 @@
           <a:p>
             <a:fld id="{1D8BD707-D9CF-40AE-B4C6-C98DA3205C09}" type="datetimeFigureOut">
               <a:rPr lang="en-US"/>
-              <a:t>8/10/2023</a:t>
+              <a:t>8/14/2023</a:t>
             </a:fld>
             <a:endParaRPr lang="en-US"/>
           </a:p>
@@ -1866,7 +1866,7 @@
           <a:p>
             <a:fld id="{1D8BD707-D9CF-40AE-B4C6-C98DA3205C09}" type="datetimeFigureOut">
               <a:rPr lang="en-US"/>
-              <a:t>8/10/2023</a:t>
+              <a:t>8/14/2023</a:t>
             </a:fld>
             <a:endParaRPr lang="en-US"/>
           </a:p>
@@ -2065,7 +2065,7 @@
           <a:p>
             <a:fld id="{1D8BD707-D9CF-40AE-B4C6-C98DA3205C09}" type="datetimeFigureOut">
               <a:rPr lang="en-US"/>
-              <a:t>8/10/2023</a:t>
+              <a:t>8/14/2023</a:t>
             </a:fld>
             <a:endParaRPr lang="en-US"/>
           </a:p>
@@ -2244,7 +2244,7 @@
           <a:p>
             <a:fld id="{1D8BD707-D9CF-40AE-B4C6-C98DA3205C09}" type="datetimeFigureOut">
               <a:rPr lang="en-US"/>
-              <a:t>8/10/2023</a:t>
+              <a:t>8/14/2023</a:t>
             </a:fld>
             <a:endParaRPr lang="en-US"/>
           </a:p>
@@ -2460,7 +2460,7 @@
           <a:p>
             <a:fld id="{1D8BD707-D9CF-40AE-B4C6-C98DA3205C09}" type="datetimeFigureOut">
               <a:rPr lang="en-US"/>
-              <a:t>8/10/2023</a:t>
+              <a:t>8/14/2023</a:t>
             </a:fld>
             <a:endParaRPr lang="en-US"/>
           </a:p>
@@ -2640,7 +2640,7 @@
           <a:p>
             <a:fld id="{1D8BD707-D9CF-40AE-B4C6-C98DA3205C09}" type="datetimeFigureOut">
               <a:rPr lang="en-US"/>
-              <a:t>8/10/2023</a:t>
+              <a:t>8/14/2023</a:t>
             </a:fld>
             <a:endParaRPr lang="en-US"/>
           </a:p>
@@ -2867,7 +2867,7 @@
           <a:p>
             <a:fld id="{1D8BD707-D9CF-40AE-B4C6-C98DA3205C09}" type="datetimeFigureOut">
               <a:rPr lang="en-US"/>
-              <a:t>8/10/2023</a:t>
+              <a:t>8/14/2023</a:t>
             </a:fld>
             <a:endParaRPr lang="en-US"/>
           </a:p>
@@ -3250,7 +3250,7 @@
           <a:p>
             <a:fld id="{1D8BD707-D9CF-40AE-B4C6-C98DA3205C09}" type="datetimeFigureOut">
               <a:rPr lang="en-US"/>
-              <a:t>8/10/2023</a:t>
+              <a:t>8/14/2023</a:t>
             </a:fld>
             <a:endParaRPr lang="en-US"/>
           </a:p>
@@ -5234,7 +5234,7 @@
           </a:bodyPr>
           <a:lstStyle/>
           <a:p>
-            <a:pPr marL="12700">
+            <a:pPr marL="12700" algn="ctr">
               <a:lnSpc>
                 <a:spcPct val="100000"/>
               </a:lnSpc>
@@ -5250,9 +5250,9 @@
                 <a:latin typeface="Microsoft Sans Serif" panose="020B0604020202020204"/>
                 <a:cs typeface="Microsoft Sans Serif" panose="020B0604020202020204"/>
               </a:rPr>
-              <a:t>Assissted Practice</a:t>
-            </a:r>
-            <a:endParaRPr lang="en-US" sz="5400">
+              <a:t>Demo</a:t>
+            </a:r>
+            <a:endParaRPr lang="en-US" sz="5400" dirty="0">
               <a:latin typeface="Microsoft Sans Serif" panose="020B0604020202020204"/>
               <a:cs typeface="Microsoft Sans Serif" panose="020B0604020202020204"/>
             </a:endParaRPr>
@@ -6451,7 +6451,7 @@
               </a:rPr>
               <a:t>2))</a:t>
             </a:r>
-            <a:endParaRPr sz="2600">
+            <a:endParaRPr sz="2600" dirty="0">
               <a:latin typeface="Arial MT"/>
               <a:cs typeface="Arial MT"/>
             </a:endParaRPr>
@@ -6465,7 +6465,7 @@
                 <a:spcPts val="15"/>
               </a:spcBef>
             </a:pPr>
-            <a:endParaRPr sz="2300">
+            <a:endParaRPr sz="2300" dirty="0">
               <a:latin typeface="Arial MT"/>
               <a:cs typeface="Arial MT"/>
             </a:endParaRPr>
@@ -6489,7 +6489,7 @@
               </a:rPr>
               <a:t>begin</a:t>
             </a:r>
-            <a:endParaRPr sz="2600">
+            <a:endParaRPr sz="2600" dirty="0">
               <a:latin typeface="Arial MT"/>
               <a:cs typeface="Arial MT"/>
             </a:endParaRPr>
@@ -6503,7 +6503,7 @@
                 <a:spcPts val="20"/>
               </a:spcBef>
             </a:pPr>
-            <a:endParaRPr sz="2400">
+            <a:endParaRPr sz="2400" dirty="0">
               <a:latin typeface="Arial MT"/>
               <a:cs typeface="Arial MT"/>
             </a:endParaRPr>
@@ -6584,7 +6584,7 @@
               </a:rPr>
               <a:t>from</a:t>
             </a:r>
-            <a:endParaRPr sz="2600">
+            <a:endParaRPr sz="2600" dirty="0">
               <a:latin typeface="Arial MT"/>
               <a:cs typeface="Arial MT"/>
             </a:endParaRPr>
@@ -6728,7 +6728,7 @@
               </a:rPr>
               <a:t>gigs) salestable</a:t>
             </a:r>
-            <a:endParaRPr sz="2600">
+            <a:endParaRPr sz="2600" dirty="0">
               <a:latin typeface="Arial MT"/>
               <a:cs typeface="Arial MT"/>
             </a:endParaRPr>
@@ -7624,7 +7624,7 @@
               </a:rPr>
               <a:t>}";</a:t>
             </a:r>
-            <a:endParaRPr sz="2600">
+            <a:endParaRPr sz="2600" dirty="0">
               <a:latin typeface="Arial MT"/>
               <a:cs typeface="Arial MT"/>
             </a:endParaRPr>
@@ -7740,7 +7740,7 @@
               </a:rPr>
               <a:t>{</a:t>
             </a:r>
-            <a:endParaRPr sz="2600">
+            <a:endParaRPr sz="2600" dirty="0">
               <a:latin typeface="Arial MT"/>
               <a:cs typeface="Arial MT"/>
             </a:endParaRPr>
@@ -7786,7 +7786,7 @@
               </a:rPr>
               <a:t>cs.registerOutParameter(1,</a:t>
             </a:r>
-            <a:endParaRPr sz="2600">
+            <a:endParaRPr sz="2600" dirty="0">
               <a:latin typeface="Arial MT"/>
               <a:cs typeface="Arial MT"/>
             </a:endParaRPr>
@@ -7800,7 +7800,7 @@
                 <a:spcPts val="40"/>
               </a:spcBef>
             </a:pPr>
-            <a:endParaRPr sz="2300">
+            <a:endParaRPr sz="2300" dirty="0">
               <a:latin typeface="Arial MT"/>
               <a:cs typeface="Arial MT"/>
             </a:endParaRPr>
@@ -7821,7 +7821,7 @@
               </a:rPr>
               <a:t>Types.DECIMAL);</a:t>
             </a:r>
-            <a:endParaRPr sz="2600">
+            <a:endParaRPr sz="2600" dirty="0">
               <a:latin typeface="Arial MT"/>
               <a:cs typeface="Arial MT"/>
             </a:endParaRPr>
@@ -7915,7 +7915,7 @@
               </a:rPr>
               <a:t> "</a:t>
             </a:r>
-            <a:endParaRPr sz="2600">
+            <a:endParaRPr sz="2600" dirty="0">
               <a:latin typeface="Arial MT"/>
               <a:cs typeface="Arial MT"/>
             </a:endParaRPr>
@@ -7929,7 +7929,7 @@
                 <a:spcPts val="25"/>
               </a:spcBef>
             </a:pPr>
-            <a:endParaRPr sz="2400">
+            <a:endParaRPr sz="2400" dirty="0">
               <a:latin typeface="Arial MT"/>
               <a:cs typeface="Arial MT"/>
             </a:endParaRPr>
@@ -7970,7 +7970,7 @@
               </a:rPr>
               <a:t>cs.getDouble(1));</a:t>
             </a:r>
-            <a:endParaRPr sz="2600">
+            <a:endParaRPr sz="2600" dirty="0">
               <a:latin typeface="Arial MT"/>
               <a:cs typeface="Arial MT"/>
             </a:endParaRPr>
@@ -8114,7 +8114,7 @@
               <a:rPr spc="-70" dirty="0"/>
               <a:t>'?')</a:t>
             </a:r>
-            <a:endParaRPr sz="2000">
+            <a:endParaRPr sz="2000" dirty="0">
               <a:latin typeface="Lucida Sans Unicode" panose="020B0602030504020204"/>
               <a:cs typeface="Lucida Sans Unicode" panose="020B0602030504020204"/>
             </a:endParaRPr>
@@ -8761,7 +8761,7 @@
           </a:bodyPr>
           <a:lstStyle/>
           <a:p>
-            <a:pPr marL="12700">
+            <a:pPr marL="12700" algn="ctr">
               <a:lnSpc>
                 <a:spcPct val="100000"/>
               </a:lnSpc>
@@ -8777,9 +8777,9 @@
                 <a:latin typeface="Microsoft Sans Serif" panose="020B0604020202020204"/>
                 <a:cs typeface="Microsoft Sans Serif" panose="020B0604020202020204"/>
               </a:rPr>
-              <a:t>Assissted Practice</a:t>
-            </a:r>
-            <a:endParaRPr lang="en-US" sz="5400">
+              <a:t>Demo</a:t>
+            </a:r>
+            <a:endParaRPr lang="en-US" sz="5400" dirty="0">
               <a:latin typeface="Microsoft Sans Serif" panose="020B0604020202020204"/>
               <a:cs typeface="Microsoft Sans Serif" panose="020B0604020202020204"/>
             </a:endParaRPr>
@@ -10564,7 +10564,7 @@
         </p:nvSpPr>
         <p:spPr>
           <a:xfrm>
-            <a:off x="0" y="0"/>
+            <a:off x="0" y="15408"/>
             <a:ext cx="18288000" cy="10287000"/>
           </a:xfrm>
           <a:custGeom>
@@ -11104,7 +11104,7 @@
               </a:rPr>
               <a:t>decimal(8,2);</a:t>
             </a:r>
-            <a:endParaRPr sz="2600">
+            <a:endParaRPr sz="2600" dirty="0">
               <a:latin typeface="Arial MT"/>
               <a:cs typeface="Arial MT"/>
             </a:endParaRPr>
@@ -11428,7 +11428,7 @@
               </a:rPr>
               <a:t>percentage);</a:t>
             </a:r>
-            <a:endParaRPr sz="2600">
+            <a:endParaRPr sz="2600" dirty="0">
               <a:latin typeface="Arial MT"/>
               <a:cs typeface="Arial MT"/>
             </a:endParaRPr>
@@ -11519,7 +11519,7 @@
               </a:rPr>
               <a:t>then</a:t>
             </a:r>
-            <a:endParaRPr sz="2600">
+            <a:endParaRPr sz="2600" dirty="0">
               <a:latin typeface="Arial MT"/>
               <a:cs typeface="Arial MT"/>
             </a:endParaRPr>
@@ -11651,7 +11651,7 @@
               </a:rPr>
               <a:t>proposedprice;</a:t>
             </a:r>
-            <a:endParaRPr sz="2600">
+            <a:endParaRPr sz="2600" dirty="0">
               <a:latin typeface="Arial MT"/>
               <a:cs typeface="Arial MT"/>
             </a:endParaRPr>
@@ -11857,7 +11857,7 @@
               </a:rPr>
               <a:t>gigid;</a:t>
             </a:r>
-            <a:endParaRPr sz="2600">
+            <a:endParaRPr sz="2600" dirty="0">
               <a:latin typeface="Arial MT"/>
               <a:cs typeface="Arial MT"/>
             </a:endParaRPr>
@@ -11881,7 +11881,7 @@
               </a:rPr>
               <a:t>else</a:t>
             </a:r>
-            <a:endParaRPr sz="2600">
+            <a:endParaRPr sz="2600" dirty="0">
               <a:latin typeface="Arial MT"/>
               <a:cs typeface="Arial MT"/>
             </a:endParaRPr>
@@ -12327,7 +12327,7 @@
               </a:rPr>
               <a:t>}";</a:t>
             </a:r>
-            <a:endParaRPr sz="2600">
+            <a:endParaRPr sz="2600" dirty="0">
               <a:latin typeface="Arial MT"/>
               <a:cs typeface="Arial MT"/>
             </a:endParaRPr>
@@ -12443,7 +12443,7 @@
               </a:rPr>
               <a:t>{</a:t>
             </a:r>
-            <a:endParaRPr sz="2600">
+            <a:endParaRPr sz="2600" dirty="0">
               <a:latin typeface="Arial MT"/>
               <a:cs typeface="Arial MT"/>
             </a:endParaRPr>
@@ -12501,7 +12501,7 @@
                 <a:spcPts val="40"/>
               </a:spcBef>
             </a:pPr>
-            <a:endParaRPr sz="2300"/>
+            <a:endParaRPr sz="2300" dirty="0"/>
           </a:p>
           <a:p>
             <a:pPr marL="196850">
@@ -12553,7 +12553,7 @@
                 <a:spcPts val="25"/>
               </a:spcBef>
             </a:pPr>
-            <a:endParaRPr sz="2400"/>
+            <a:endParaRPr sz="2400" dirty="0"/>
           </a:p>
           <a:p>
             <a:pPr marL="2400300">
@@ -12625,7 +12625,7 @@
                 <a:spcPts val="40"/>
               </a:spcBef>
             </a:pPr>
-            <a:endParaRPr sz="2300"/>
+            <a:endParaRPr sz="2300" dirty="0"/>
           </a:p>
           <a:p>
             <a:pPr marL="2221865">
@@ -12647,7 +12647,7 @@
                 <a:spcPts val="45"/>
               </a:spcBef>
             </a:pPr>
-            <a:endParaRPr sz="2300"/>
+            <a:endParaRPr sz="2300" dirty="0"/>
           </a:p>
           <a:p>
             <a:pPr marL="12700">
@@ -12753,7 +12753,7 @@
               <a:rPr spc="-70" dirty="0"/>
               <a:t>'?')</a:t>
             </a:r>
-            <a:endParaRPr sz="2000">
+            <a:endParaRPr sz="2000" dirty="0">
               <a:latin typeface="Lucida Sans Unicode" panose="020B0602030504020204"/>
               <a:cs typeface="Lucida Sans Unicode" panose="020B0602030504020204"/>
             </a:endParaRPr>
@@ -14238,7 +14238,7 @@
           </a:bodyPr>
           <a:lstStyle/>
           <a:p>
-            <a:pPr marL="12700">
+            <a:pPr marL="12700" algn="ctr">
               <a:lnSpc>
                 <a:spcPct val="100000"/>
               </a:lnSpc>
@@ -14254,9 +14254,9 @@
                 <a:latin typeface="Microsoft Sans Serif" panose="020B0604020202020204"/>
                 <a:cs typeface="Microsoft Sans Serif" panose="020B0604020202020204"/>
               </a:rPr>
-              <a:t>Assissted Practice</a:t>
-            </a:r>
-            <a:endParaRPr lang="en-US" sz="5400">
+              <a:t>Demo</a:t>
+            </a:r>
+            <a:endParaRPr lang="en-US" sz="5400" dirty="0">
               <a:latin typeface="Microsoft Sans Serif" panose="020B0604020202020204"/>
               <a:cs typeface="Microsoft Sans Serif" panose="020B0604020202020204"/>
             </a:endParaRPr>
@@ -15454,7 +15454,7 @@
               </a:rPr>
               <a:t>when</a:t>
             </a:r>
-            <a:endParaRPr sz="3400">
+            <a:endParaRPr sz="3400" dirty="0">
               <a:latin typeface="Arial" panose="020B0604020202020204"/>
               <a:cs typeface="Arial" panose="020B0604020202020204"/>
             </a:endParaRPr>
@@ -15558,7 +15558,7 @@
               </a:rPr>
               <a:t>sales</a:t>
             </a:r>
-            <a:endParaRPr sz="3400">
+            <a:endParaRPr sz="3400" dirty="0">
               <a:latin typeface="Arial" panose="020B0604020202020204"/>
               <a:cs typeface="Arial" panose="020B0604020202020204"/>
             </a:endParaRPr>
@@ -15700,6 +15700,9 @@
                 <a:solidFill>
                   <a:srgbClr val="F15B2A"/>
                 </a:solidFill>
+                <a:highlight>
+                  <a:srgbClr val="FFFF00"/>
+                </a:highlight>
                 <a:latin typeface="Arial" panose="020B0604020202020204"/>
                 <a:cs typeface="Arial" panose="020B0604020202020204"/>
               </a:rPr>
@@ -17653,7 +17656,7 @@
         <p:spPr>
           <a:xfrm>
             <a:off x="481022" y="477012"/>
-            <a:ext cx="4087495" cy="421640"/>
+            <a:ext cx="4087495" cy="813043"/>
           </a:xfrm>
           <a:prstGeom prst="rect">
             <a:avLst/>
@@ -17674,6 +17677,26 @@
               </a:spcBef>
             </a:pPr>
             <a:r>
+              <a:rPr lang="en-US" sz="2600" dirty="0">
+                <a:solidFill>
+                  <a:srgbClr val="404040"/>
+                </a:solidFill>
+                <a:latin typeface="Arial MT"/>
+                <a:cs typeface="Arial MT"/>
+              </a:rPr>
+              <a:t>String</a:t>
+            </a:r>
+            <a:r>
+              <a:rPr sz="2600" spc="-15" dirty="0">
+                <a:solidFill>
+                  <a:srgbClr val="404040"/>
+                </a:solidFill>
+                <a:latin typeface="Arial MT"/>
+                <a:cs typeface="Arial MT"/>
+              </a:rPr>
+              <a:t> </a:t>
+            </a:r>
+            <a:r>
               <a:rPr sz="2600" dirty="0">
                 <a:solidFill>
                   <a:srgbClr val="404040"/>
@@ -17681,7 +17704,47 @@
                 <a:latin typeface="Arial MT"/>
                 <a:cs typeface="Arial MT"/>
               </a:rPr>
-              <a:t>var</a:t>
+              <a:t>sql</a:t>
+            </a:r>
+            <a:r>
+              <a:rPr sz="2600" spc="-10" dirty="0">
+                <a:solidFill>
+                  <a:srgbClr val="404040"/>
+                </a:solidFill>
+                <a:latin typeface="Arial MT"/>
+                <a:cs typeface="Arial MT"/>
+              </a:rPr>
+              <a:t> </a:t>
+            </a:r>
+            <a:r>
+              <a:rPr sz="2600" dirty="0">
+                <a:solidFill>
+                  <a:srgbClr val="404040"/>
+                </a:solidFill>
+                <a:latin typeface="Arial MT"/>
+                <a:cs typeface="Arial MT"/>
+              </a:rPr>
+              <a:t>=</a:t>
+            </a:r>
+            <a:r>
+              <a:rPr sz="2600" spc="-10" dirty="0">
+                <a:solidFill>
+                  <a:srgbClr val="404040"/>
+                </a:solidFill>
+                <a:latin typeface="Arial MT"/>
+                <a:cs typeface="Arial MT"/>
+              </a:rPr>
+              <a:t> </a:t>
+            </a:r>
+            <a:r>
+              <a:rPr sz="2600" dirty="0">
+                <a:solidFill>
+                  <a:srgbClr val="404040"/>
+                </a:solidFill>
+                <a:latin typeface="Arial MT"/>
+                <a:cs typeface="Arial MT"/>
+              </a:rPr>
+              <a:t>"{</a:t>
             </a:r>
             <a:r>
               <a:rPr sz="2600" spc="-15" dirty="0">
@@ -17694,14 +17757,14 @@
               <a:t> </a:t>
             </a:r>
             <a:r>
-              <a:rPr sz="2600" dirty="0">
-                <a:solidFill>
-                  <a:srgbClr val="404040"/>
-                </a:solidFill>
-                <a:latin typeface="Arial MT"/>
-                <a:cs typeface="Arial MT"/>
-              </a:rPr>
-              <a:t>sql</a:t>
+              <a:rPr sz="2600" spc="-5" dirty="0">
+                <a:solidFill>
+                  <a:srgbClr val="404040"/>
+                </a:solidFill>
+                <a:latin typeface="Arial MT"/>
+                <a:cs typeface="Arial MT"/>
+              </a:rPr>
+              <a:t>call</a:t>
             </a:r>
             <a:r>
               <a:rPr sz="2600" spc="-10" dirty="0">
@@ -17714,14 +17777,14 @@
               <a:t> </a:t>
             </a:r>
             <a:r>
-              <a:rPr sz="2600" dirty="0">
-                <a:solidFill>
-                  <a:srgbClr val="404040"/>
-                </a:solidFill>
-                <a:latin typeface="Arial MT"/>
-                <a:cs typeface="Arial MT"/>
-              </a:rPr>
-              <a:t>=</a:t>
+              <a:rPr sz="2600" spc="-5" dirty="0">
+                <a:solidFill>
+                  <a:srgbClr val="404040"/>
+                </a:solidFill>
+                <a:latin typeface="Arial MT"/>
+                <a:cs typeface="Arial MT"/>
+              </a:rPr>
+              <a:t>GetActs()</a:t>
             </a:r>
             <a:r>
               <a:rPr sz="2600" spc="-10" dirty="0">
@@ -17734,26 +17797,6 @@
               <a:t> </a:t>
             </a:r>
             <a:r>
-              <a:rPr sz="2600" dirty="0">
-                <a:solidFill>
-                  <a:srgbClr val="404040"/>
-                </a:solidFill>
-                <a:latin typeface="Arial MT"/>
-                <a:cs typeface="Arial MT"/>
-              </a:rPr>
-              <a:t>"{</a:t>
-            </a:r>
-            <a:r>
-              <a:rPr sz="2600" spc="-15" dirty="0">
-                <a:solidFill>
-                  <a:srgbClr val="404040"/>
-                </a:solidFill>
-                <a:latin typeface="Arial MT"/>
-                <a:cs typeface="Arial MT"/>
-              </a:rPr>
-              <a:t> </a:t>
-            </a:r>
-            <a:r>
               <a:rPr sz="2600" spc="-5" dirty="0">
                 <a:solidFill>
                   <a:srgbClr val="404040"/>
@@ -17761,49 +17804,9 @@
                 <a:latin typeface="Arial MT"/>
                 <a:cs typeface="Arial MT"/>
               </a:rPr>
-              <a:t>call</a:t>
-            </a:r>
-            <a:r>
-              <a:rPr sz="2600" spc="-10" dirty="0">
-                <a:solidFill>
-                  <a:srgbClr val="404040"/>
-                </a:solidFill>
-                <a:latin typeface="Arial MT"/>
-                <a:cs typeface="Arial MT"/>
-              </a:rPr>
-              <a:t> </a:t>
-            </a:r>
-            <a:r>
-              <a:rPr sz="2600" spc="-5" dirty="0">
-                <a:solidFill>
-                  <a:srgbClr val="404040"/>
-                </a:solidFill>
-                <a:latin typeface="Arial MT"/>
-                <a:cs typeface="Arial MT"/>
-              </a:rPr>
-              <a:t>GetActs()</a:t>
-            </a:r>
-            <a:r>
-              <a:rPr sz="2600" spc="-10" dirty="0">
-                <a:solidFill>
-                  <a:srgbClr val="404040"/>
-                </a:solidFill>
-                <a:latin typeface="Arial MT"/>
-                <a:cs typeface="Arial MT"/>
-              </a:rPr>
-              <a:t> </a:t>
-            </a:r>
-            <a:r>
-              <a:rPr sz="2600" spc="-5" dirty="0">
-                <a:solidFill>
-                  <a:srgbClr val="404040"/>
-                </a:solidFill>
-                <a:latin typeface="Arial MT"/>
-                <a:cs typeface="Arial MT"/>
-              </a:rPr>
               <a:t>}";</a:t>
             </a:r>
-            <a:endParaRPr sz="2600">
+            <a:endParaRPr sz="2600" dirty="0">
               <a:latin typeface="Arial MT"/>
               <a:cs typeface="Arial MT"/>
             </a:endParaRPr>
@@ -18025,7 +18028,7 @@
               </a:rPr>
               <a:t>cs.executeQuery();</a:t>
             </a:r>
-            <a:endParaRPr sz="2600">
+            <a:endParaRPr sz="2600" dirty="0">
               <a:latin typeface="Arial MT"/>
               <a:cs typeface="Arial MT"/>
             </a:endParaRPr>
@@ -19428,7 +19431,7 @@
           </a:bodyPr>
           <a:lstStyle/>
           <a:p>
-            <a:pPr marL="12700">
+            <a:pPr marL="12700" algn="ctr">
               <a:lnSpc>
                 <a:spcPct val="100000"/>
               </a:lnSpc>
@@ -19444,9 +19447,9 @@
                 <a:latin typeface="Microsoft Sans Serif" panose="020B0604020202020204"/>
                 <a:cs typeface="Microsoft Sans Serif" panose="020B0604020202020204"/>
               </a:rPr>
-              <a:t>Assissted Practice</a:t>
-            </a:r>
-            <a:endParaRPr lang="en-US" sz="5400">
+              <a:t>Demo</a:t>
+            </a:r>
+            <a:endParaRPr lang="en-US" sz="5400" dirty="0">
               <a:latin typeface="Microsoft Sans Serif" panose="020B0604020202020204"/>
               <a:cs typeface="Microsoft Sans Serif" panose="020B0604020202020204"/>
             </a:endParaRPr>
